--- a/notes/RProfiler.pptx
+++ b/notes/RProfiler.pptx
@@ -14,19 +14,18 @@
     <p:sldId id="269" r:id="rId8"/>
     <p:sldId id="270" r:id="rId9"/>
     <p:sldId id="273" r:id="rId10"/>
-    <p:sldId id="274" r:id="rId11"/>
-    <p:sldId id="275" r:id="rId12"/>
-    <p:sldId id="276" r:id="rId13"/>
-    <p:sldId id="277" r:id="rId14"/>
-    <p:sldId id="271" r:id="rId15"/>
-    <p:sldId id="260" r:id="rId16"/>
-    <p:sldId id="272" r:id="rId17"/>
-    <p:sldId id="261" r:id="rId18"/>
-    <p:sldId id="262" r:id="rId19"/>
-    <p:sldId id="264" r:id="rId20"/>
-    <p:sldId id="263" r:id="rId21"/>
-    <p:sldId id="265" r:id="rId22"/>
-    <p:sldId id="266" r:id="rId23"/>
+    <p:sldId id="275" r:id="rId11"/>
+    <p:sldId id="276" r:id="rId12"/>
+    <p:sldId id="277" r:id="rId13"/>
+    <p:sldId id="271" r:id="rId14"/>
+    <p:sldId id="260" r:id="rId15"/>
+    <p:sldId id="272" r:id="rId16"/>
+    <p:sldId id="261" r:id="rId17"/>
+    <p:sldId id="262" r:id="rId18"/>
+    <p:sldId id="264" r:id="rId19"/>
+    <p:sldId id="263" r:id="rId20"/>
+    <p:sldId id="265" r:id="rId21"/>
+    <p:sldId id="266" r:id="rId22"/>
   </p:sldIdLst>
   <p:sldSz cx="9144000" cy="6858000" type="screen4x3"/>
   <p:notesSz cx="6858000" cy="9144000"/>
@@ -322,7 +321,7 @@
           <a:lstStyle/>
           <a:p>
             <a:fld id="{632D0E76-E452-9E4A-A381-961BFCDCEB32}" type="datetimeFigureOut">
-              <a:t>9/28/16</a:t>
+              <a:t>10/4/16</a:t>
             </a:fld>
             <a:endParaRPr lang="en-US"/>
           </a:p>
@@ -483,7 +482,7 @@
           <a:lstStyle/>
           <a:p>
             <a:fld id="{632D0E76-E452-9E4A-A381-961BFCDCEB32}" type="datetimeFigureOut">
-              <a:t>9/28/16</a:t>
+              <a:t>10/4/16</a:t>
             </a:fld>
             <a:endParaRPr lang="en-US"/>
           </a:p>
@@ -654,7 +653,7 @@
           <a:lstStyle/>
           <a:p>
             <a:fld id="{632D0E76-E452-9E4A-A381-961BFCDCEB32}" type="datetimeFigureOut">
-              <a:t>9/28/16</a:t>
+              <a:t>10/4/16</a:t>
             </a:fld>
             <a:endParaRPr lang="en-US"/>
           </a:p>
@@ -815,7 +814,7 @@
           <a:lstStyle/>
           <a:p>
             <a:fld id="{632D0E76-E452-9E4A-A381-961BFCDCEB32}" type="datetimeFigureOut">
-              <a:t>9/28/16</a:t>
+              <a:t>10/4/16</a:t>
             </a:fld>
             <a:endParaRPr lang="en-US"/>
           </a:p>
@@ -1053,7 +1052,7 @@
           <a:lstStyle/>
           <a:p>
             <a:fld id="{632D0E76-E452-9E4A-A381-961BFCDCEB32}" type="datetimeFigureOut">
-              <a:t>9/28/16</a:t>
+              <a:t>10/4/16</a:t>
             </a:fld>
             <a:endParaRPr lang="en-US"/>
           </a:p>
@@ -1331,7 +1330,7 @@
           <a:lstStyle/>
           <a:p>
             <a:fld id="{632D0E76-E452-9E4A-A381-961BFCDCEB32}" type="datetimeFigureOut">
-              <a:t>9/28/16</a:t>
+              <a:t>10/4/16</a:t>
             </a:fld>
             <a:endParaRPr lang="en-US"/>
           </a:p>
@@ -1743,7 +1742,7 @@
           <a:lstStyle/>
           <a:p>
             <a:fld id="{632D0E76-E452-9E4A-A381-961BFCDCEB32}" type="datetimeFigureOut">
-              <a:t>9/28/16</a:t>
+              <a:t>10/4/16</a:t>
             </a:fld>
             <a:endParaRPr lang="en-US"/>
           </a:p>
@@ -1853,7 +1852,7 @@
           <a:lstStyle/>
           <a:p>
             <a:fld id="{632D0E76-E452-9E4A-A381-961BFCDCEB32}" type="datetimeFigureOut">
-              <a:t>9/28/16</a:t>
+              <a:t>10/4/16</a:t>
             </a:fld>
             <a:endParaRPr lang="en-US"/>
           </a:p>
@@ -1941,7 +1940,7 @@
           <a:lstStyle/>
           <a:p>
             <a:fld id="{632D0E76-E452-9E4A-A381-961BFCDCEB32}" type="datetimeFigureOut">
-              <a:t>9/28/16</a:t>
+              <a:t>10/4/16</a:t>
             </a:fld>
             <a:endParaRPr lang="en-US"/>
           </a:p>
@@ -2209,7 +2208,7 @@
           <a:lstStyle/>
           <a:p>
             <a:fld id="{632D0E76-E452-9E4A-A381-961BFCDCEB32}" type="datetimeFigureOut">
-              <a:t>9/28/16</a:t>
+              <a:t>10/4/16</a:t>
             </a:fld>
             <a:endParaRPr lang="en-US"/>
           </a:p>
@@ -2454,7 +2453,7 @@
           <a:lstStyle/>
           <a:p>
             <a:fld id="{632D0E76-E452-9E4A-A381-961BFCDCEB32}" type="datetimeFigureOut">
-              <a:t>9/28/16</a:t>
+              <a:t>10/4/16</a:t>
             </a:fld>
             <a:endParaRPr lang="en-US"/>
           </a:p>
@@ -2658,7 +2657,7 @@
           </a:lstStyle>
           <a:p>
             <a:fld id="{632D0E76-E452-9E4A-A381-961BFCDCEB32}" type="datetimeFigureOut">
-              <a:t>9/28/16</a:t>
+              <a:t>10/4/16</a:t>
             </a:fld>
             <a:endParaRPr lang="en-US"/>
           </a:p>
@@ -3121,44 +3120,172 @@
       </p:sp>
       <p:sp>
         <p:nvSpPr>
-          <p:cNvPr id="3" name="Content Placeholder 2"/>
-          <p:cNvSpPr>
-            <a:spLocks noGrp="1"/>
-          </p:cNvSpPr>
-          <p:nvPr>
-            <p:ph idx="1"/>
-          </p:nvPr>
-        </p:nvSpPr>
-        <p:spPr/>
-        <p:txBody>
-          <a:bodyPr/>
-          <a:lstStyle/>
-          <a:p>
-            <a:pPr marL="0" marR="0" lvl="0" indent="0" defTabSz="914400" eaLnBrk="1" fontAlgn="auto" latinLnBrk="0" hangingPunct="1">
-              <a:lnSpc>
-                <a:spcPct val="100000"/>
-              </a:lnSpc>
-              <a:spcBef>
-                <a:spcPts val="0"/>
-              </a:spcBef>
-              <a:spcAft>
-                <a:spcPts val="0"/>
-              </a:spcAft>
-              <a:buClrTx/>
-              <a:buSzTx/>
-              <a:buFontTx/>
-              <a:buNone/>
-              <a:tabLst/>
-              <a:defRPr/>
-            </a:pPr>
-            <a:endParaRPr lang="en-US" dirty="0"/>
+          <p:cNvPr id="3" name="TextBox 2"/>
+          <p:cNvSpPr txBox="1"/>
+          <p:nvPr/>
+        </p:nvSpPr>
+        <p:spPr>
+          <a:xfrm>
+            <a:off x="457200" y="1767840"/>
+            <a:ext cx="8061960" cy="2246769"/>
+          </a:xfrm>
+          <a:prstGeom prst="rect">
+            <a:avLst/>
+          </a:prstGeom>
+          <a:noFill/>
+        </p:spPr>
+        <p:txBody>
+          <a:bodyPr wrap="square" rtlCol="0">
+            <a:spAutoFit/>
+          </a:bodyPr>
+          <a:lstStyle/>
+          <a:p>
+            <a:r>
+              <a:rPr lang="en-US" sz="2000" dirty="0" smtClean="0">
+                <a:latin typeface="Courier" charset="0"/>
+                <a:ea typeface="Courier" charset="0"/>
+                <a:cs typeface="Courier" charset="0"/>
+              </a:rPr>
+              <a:t>&gt; </a:t>
+            </a:r>
+            <a:r>
+              <a:rPr lang="en-US" sz="2000" dirty="0" err="1" smtClean="0">
+                <a:latin typeface="Courier" charset="0"/>
+                <a:ea typeface="Courier" charset="0"/>
+                <a:cs typeface="Courier" charset="0"/>
+              </a:rPr>
+              <a:t>microbenchmark</a:t>
+            </a:r>
+            <a:r>
+              <a:rPr lang="en-US" sz="2000" dirty="0" smtClean="0">
+                <a:latin typeface="Courier" charset="0"/>
+                <a:ea typeface="Courier" charset="0"/>
+                <a:cs typeface="Courier" charset="0"/>
+              </a:rPr>
+              <a:t>(3*3</a:t>
+            </a:r>
+            <a:r>
+              <a:rPr lang="en-US" sz="2000" dirty="0">
+                <a:latin typeface="Courier" charset="0"/>
+                <a:ea typeface="Courier" charset="0"/>
+                <a:cs typeface="Courier" charset="0"/>
+              </a:rPr>
+              <a:t>, 3^2, times = 10000L</a:t>
+            </a:r>
+            <a:r>
+              <a:rPr lang="en-US" sz="2000" dirty="0" smtClean="0">
+                <a:latin typeface="Courier" charset="0"/>
+                <a:ea typeface="Courier" charset="0"/>
+                <a:cs typeface="Courier" charset="0"/>
+              </a:rPr>
+              <a:t>)</a:t>
+            </a:r>
+          </a:p>
+          <a:p>
+            <a:endParaRPr lang="en-US" sz="2000" dirty="0">
+              <a:latin typeface="Courier" charset="0"/>
+              <a:ea typeface="Courier" charset="0"/>
+              <a:cs typeface="Courier" charset="0"/>
+            </a:endParaRPr>
+          </a:p>
+          <a:p>
+            <a:r>
+              <a:rPr lang="en-US" sz="2000" dirty="0">
+                <a:latin typeface="Courier" charset="0"/>
+                <a:ea typeface="Courier" charset="0"/>
+                <a:cs typeface="Courier" charset="0"/>
+              </a:rPr>
+              <a:t>Unit: nanoseconds</a:t>
+            </a:r>
+          </a:p>
+          <a:p>
+            <a:r>
+              <a:rPr lang="en-US" sz="2000" dirty="0">
+                <a:latin typeface="Courier" charset="0"/>
+                <a:ea typeface="Courier" charset="0"/>
+                <a:cs typeface="Courier" charset="0"/>
+              </a:rPr>
+              <a:t>  expr min  </a:t>
+            </a:r>
+            <a:r>
+              <a:rPr lang="en-US" sz="2000" dirty="0" err="1">
+                <a:latin typeface="Courier" charset="0"/>
+                <a:ea typeface="Courier" charset="0"/>
+                <a:cs typeface="Courier" charset="0"/>
+              </a:rPr>
+              <a:t>lq</a:t>
+            </a:r>
+            <a:r>
+              <a:rPr lang="en-US" sz="2000" dirty="0">
+                <a:latin typeface="Courier" charset="0"/>
+                <a:ea typeface="Courier" charset="0"/>
+                <a:cs typeface="Courier" charset="0"/>
+              </a:rPr>
+              <a:t>     mean median  </a:t>
+            </a:r>
+            <a:r>
+              <a:rPr lang="en-US" sz="2000" dirty="0" err="1">
+                <a:latin typeface="Courier" charset="0"/>
+                <a:ea typeface="Courier" charset="0"/>
+                <a:cs typeface="Courier" charset="0"/>
+              </a:rPr>
+              <a:t>uq</a:t>
+            </a:r>
+            <a:r>
+              <a:rPr lang="en-US" sz="2000" dirty="0">
+                <a:latin typeface="Courier" charset="0"/>
+                <a:ea typeface="Courier" charset="0"/>
+                <a:cs typeface="Courier" charset="0"/>
+              </a:rPr>
+              <a:t>   max </a:t>
+            </a:r>
+            <a:r>
+              <a:rPr lang="en-US" sz="2000" dirty="0" err="1">
+                <a:latin typeface="Courier" charset="0"/>
+                <a:ea typeface="Courier" charset="0"/>
+                <a:cs typeface="Courier" charset="0"/>
+              </a:rPr>
+              <a:t>neval</a:t>
+            </a:r>
+            <a:endParaRPr lang="en-US" sz="2000" dirty="0">
+              <a:latin typeface="Courier" charset="0"/>
+              <a:ea typeface="Courier" charset="0"/>
+              <a:cs typeface="Courier" charset="0"/>
+            </a:endParaRPr>
+          </a:p>
+          <a:p>
+            <a:r>
+              <a:rPr lang="de-DE" sz="2000" dirty="0">
+                <a:latin typeface="Courier" charset="0"/>
+                <a:ea typeface="Courier" charset="0"/>
+                <a:cs typeface="Courier" charset="0"/>
+              </a:rPr>
+              <a:t> 3 * 3  99 173 217.0352    206 249 30081 10000</a:t>
+            </a:r>
+          </a:p>
+          <a:p>
+            <a:r>
+              <a:rPr lang="de-DE" sz="2000" dirty="0">
+                <a:latin typeface="Courier" charset="0"/>
+                <a:ea typeface="Courier" charset="0"/>
+                <a:cs typeface="Courier" charset="0"/>
+              </a:rPr>
+              <a:t>   3^2 141 225 285.5195    263 312 34227 10000</a:t>
+            </a:r>
+          </a:p>
+          <a:p>
+            <a:endParaRPr lang="en-US" sz="2000" dirty="0">
+              <a:latin typeface="Courier" charset="0"/>
+              <a:ea typeface="Courier" charset="0"/>
+              <a:cs typeface="Courier" charset="0"/>
+            </a:endParaRPr>
           </a:p>
         </p:txBody>
       </p:sp>
     </p:spTree>
     <p:extLst>
       <p:ext uri="{BB962C8B-B14F-4D97-AF65-F5344CB8AC3E}">
-        <p14:creationId xmlns:p14="http://schemas.microsoft.com/office/powerpoint/2010/main" val="461499820"/>
+        <p14:creationId xmlns:p14="http://schemas.microsoft.com/office/powerpoint/2010/main" val="849347459"/>
       </p:ext>
     </p:extLst>
   </p:cSld>
@@ -3210,223 +3337,6 @@
       </p:sp>
       <p:sp>
         <p:nvSpPr>
-          <p:cNvPr id="3" name="TextBox 2"/>
-          <p:cNvSpPr txBox="1"/>
-          <p:nvPr/>
-        </p:nvSpPr>
-        <p:spPr>
-          <a:xfrm>
-            <a:off x="457200" y="1767840"/>
-            <a:ext cx="8061960" cy="2246769"/>
-          </a:xfrm>
-          <a:prstGeom prst="rect">
-            <a:avLst/>
-          </a:prstGeom>
-          <a:noFill/>
-        </p:spPr>
-        <p:txBody>
-          <a:bodyPr wrap="square" rtlCol="0">
-            <a:spAutoFit/>
-          </a:bodyPr>
-          <a:lstStyle/>
-          <a:p>
-            <a:r>
-              <a:rPr lang="en-US" sz="2000" dirty="0" smtClean="0">
-                <a:latin typeface="Courier" charset="0"/>
-                <a:ea typeface="Courier" charset="0"/>
-                <a:cs typeface="Courier" charset="0"/>
-              </a:rPr>
-              <a:t>&gt; </a:t>
-            </a:r>
-            <a:r>
-              <a:rPr lang="en-US" sz="2000" dirty="0" err="1" smtClean="0">
-                <a:latin typeface="Courier" charset="0"/>
-                <a:ea typeface="Courier" charset="0"/>
-                <a:cs typeface="Courier" charset="0"/>
-              </a:rPr>
-              <a:t>microbenchmark</a:t>
-            </a:r>
-            <a:r>
-              <a:rPr lang="en-US" sz="2000" dirty="0" smtClean="0">
-                <a:latin typeface="Courier" charset="0"/>
-                <a:ea typeface="Courier" charset="0"/>
-                <a:cs typeface="Courier" charset="0"/>
-              </a:rPr>
-              <a:t>(3*3</a:t>
-            </a:r>
-            <a:r>
-              <a:rPr lang="en-US" sz="2000" dirty="0">
-                <a:latin typeface="Courier" charset="0"/>
-                <a:ea typeface="Courier" charset="0"/>
-                <a:cs typeface="Courier" charset="0"/>
-              </a:rPr>
-              <a:t>, 3^2, times = 10000L</a:t>
-            </a:r>
-            <a:r>
-              <a:rPr lang="en-US" sz="2000" dirty="0" smtClean="0">
-                <a:latin typeface="Courier" charset="0"/>
-                <a:ea typeface="Courier" charset="0"/>
-                <a:cs typeface="Courier" charset="0"/>
-              </a:rPr>
-              <a:t>)</a:t>
-            </a:r>
-          </a:p>
-          <a:p>
-            <a:endParaRPr lang="en-US" sz="2000" dirty="0">
-              <a:latin typeface="Courier" charset="0"/>
-              <a:ea typeface="Courier" charset="0"/>
-              <a:cs typeface="Courier" charset="0"/>
-            </a:endParaRPr>
-          </a:p>
-          <a:p>
-            <a:r>
-              <a:rPr lang="en-US" sz="2000" dirty="0">
-                <a:latin typeface="Courier" charset="0"/>
-                <a:ea typeface="Courier" charset="0"/>
-                <a:cs typeface="Courier" charset="0"/>
-              </a:rPr>
-              <a:t>Unit: nanoseconds</a:t>
-            </a:r>
-          </a:p>
-          <a:p>
-            <a:r>
-              <a:rPr lang="en-US" sz="2000" dirty="0">
-                <a:latin typeface="Courier" charset="0"/>
-                <a:ea typeface="Courier" charset="0"/>
-                <a:cs typeface="Courier" charset="0"/>
-              </a:rPr>
-              <a:t>  expr min  </a:t>
-            </a:r>
-            <a:r>
-              <a:rPr lang="en-US" sz="2000" dirty="0" err="1">
-                <a:latin typeface="Courier" charset="0"/>
-                <a:ea typeface="Courier" charset="0"/>
-                <a:cs typeface="Courier" charset="0"/>
-              </a:rPr>
-              <a:t>lq</a:t>
-            </a:r>
-            <a:r>
-              <a:rPr lang="en-US" sz="2000" dirty="0">
-                <a:latin typeface="Courier" charset="0"/>
-                <a:ea typeface="Courier" charset="0"/>
-                <a:cs typeface="Courier" charset="0"/>
-              </a:rPr>
-              <a:t>     mean median  </a:t>
-            </a:r>
-            <a:r>
-              <a:rPr lang="en-US" sz="2000" dirty="0" err="1">
-                <a:latin typeface="Courier" charset="0"/>
-                <a:ea typeface="Courier" charset="0"/>
-                <a:cs typeface="Courier" charset="0"/>
-              </a:rPr>
-              <a:t>uq</a:t>
-            </a:r>
-            <a:r>
-              <a:rPr lang="en-US" sz="2000" dirty="0">
-                <a:latin typeface="Courier" charset="0"/>
-                <a:ea typeface="Courier" charset="0"/>
-                <a:cs typeface="Courier" charset="0"/>
-              </a:rPr>
-              <a:t>   max </a:t>
-            </a:r>
-            <a:r>
-              <a:rPr lang="en-US" sz="2000" dirty="0" err="1">
-                <a:latin typeface="Courier" charset="0"/>
-                <a:ea typeface="Courier" charset="0"/>
-                <a:cs typeface="Courier" charset="0"/>
-              </a:rPr>
-              <a:t>neval</a:t>
-            </a:r>
-            <a:endParaRPr lang="en-US" sz="2000" dirty="0">
-              <a:latin typeface="Courier" charset="0"/>
-              <a:ea typeface="Courier" charset="0"/>
-              <a:cs typeface="Courier" charset="0"/>
-            </a:endParaRPr>
-          </a:p>
-          <a:p>
-            <a:r>
-              <a:rPr lang="de-DE" sz="2000" dirty="0">
-                <a:latin typeface="Courier" charset="0"/>
-                <a:ea typeface="Courier" charset="0"/>
-                <a:cs typeface="Courier" charset="0"/>
-              </a:rPr>
-              <a:t> 3 * 3  99 173 217.0352    206 249 30081 10000</a:t>
-            </a:r>
-          </a:p>
-          <a:p>
-            <a:r>
-              <a:rPr lang="de-DE" sz="2000" dirty="0">
-                <a:latin typeface="Courier" charset="0"/>
-                <a:ea typeface="Courier" charset="0"/>
-                <a:cs typeface="Courier" charset="0"/>
-              </a:rPr>
-              <a:t>   3^2 141 225 285.5195    263 312 34227 10000</a:t>
-            </a:r>
-          </a:p>
-          <a:p>
-            <a:endParaRPr lang="en-US" sz="2000" dirty="0">
-              <a:latin typeface="Courier" charset="0"/>
-              <a:ea typeface="Courier" charset="0"/>
-              <a:cs typeface="Courier" charset="0"/>
-            </a:endParaRPr>
-          </a:p>
-        </p:txBody>
-      </p:sp>
-    </p:spTree>
-    <p:extLst>
-      <p:ext uri="{BB962C8B-B14F-4D97-AF65-F5344CB8AC3E}">
-        <p14:creationId xmlns:p14="http://schemas.microsoft.com/office/powerpoint/2010/main" val="849347459"/>
-      </p:ext>
-    </p:extLst>
-  </p:cSld>
-  <p:clrMapOvr>
-    <a:masterClrMapping/>
-  </p:clrMapOvr>
-</p:sld>
-</file>
-
-<file path=ppt/slides/slide12.xml><?xml version="1.0" encoding="utf-8"?>
-<p:sld xmlns:a="http://schemas.openxmlformats.org/drawingml/2006/main" xmlns:r="http://schemas.openxmlformats.org/officeDocument/2006/relationships" xmlns:p="http://schemas.openxmlformats.org/presentationml/2006/main">
-  <p:cSld>
-    <p:spTree>
-      <p:nvGrpSpPr>
-        <p:cNvPr id="1" name=""/>
-        <p:cNvGrpSpPr/>
-        <p:nvPr/>
-      </p:nvGrpSpPr>
-      <p:grpSpPr>
-        <a:xfrm>
-          <a:off x="0" y="0"/>
-          <a:ext cx="0" cy="0"/>
-          <a:chOff x="0" y="0"/>
-          <a:chExt cx="0" cy="0"/>
-        </a:xfrm>
-      </p:grpSpPr>
-      <p:sp>
-        <p:nvSpPr>
-          <p:cNvPr id="2" name="Title 1"/>
-          <p:cNvSpPr>
-            <a:spLocks noGrp="1"/>
-          </p:cNvSpPr>
-          <p:nvPr>
-            <p:ph type="title"/>
-          </p:nvPr>
-        </p:nvSpPr>
-        <p:spPr/>
-        <p:txBody>
-          <a:bodyPr/>
-          <a:lstStyle/>
-          <a:p>
-            <a:r>
-              <a:rPr lang="en-US" dirty="0" err="1" smtClean="0"/>
-              <a:t>microbenchmark</a:t>
-            </a:r>
-            <a:endParaRPr lang="en-US" dirty="0"/>
-          </a:p>
-        </p:txBody>
-      </p:sp>
-      <p:sp>
-        <p:nvSpPr>
           <p:cNvPr id="3" name="Rectangle 2"/>
           <p:cNvSpPr/>
           <p:nvPr/>
@@ -3777,7 +3687,7 @@
 </p:sld>
 </file>
 
-<file path=ppt/slides/slide13.xml><?xml version="1.0" encoding="utf-8"?>
+<file path=ppt/slides/slide12.xml><?xml version="1.0" encoding="utf-8"?>
 <p:sld xmlns:a="http://schemas.openxmlformats.org/drawingml/2006/main" xmlns:r="http://schemas.openxmlformats.org/officeDocument/2006/relationships" xmlns:p="http://schemas.openxmlformats.org/presentationml/2006/main">
   <p:cSld>
     <p:spTree>
@@ -3860,6 +3770,165 @@
 </p:sld>
 </file>
 
+<file path=ppt/slides/slide13.xml><?xml version="1.0" encoding="utf-8"?>
+<p:sld xmlns:a="http://schemas.openxmlformats.org/drawingml/2006/main" xmlns:r="http://schemas.openxmlformats.org/officeDocument/2006/relationships" xmlns:p="http://schemas.openxmlformats.org/presentationml/2006/main">
+  <p:cSld>
+    <p:spTree>
+      <p:nvGrpSpPr>
+        <p:cNvPr id="1" name=""/>
+        <p:cNvGrpSpPr/>
+        <p:nvPr/>
+      </p:nvGrpSpPr>
+      <p:grpSpPr>
+        <a:xfrm>
+          <a:off x="0" y="0"/>
+          <a:ext cx="0" cy="0"/>
+          <a:chOff x="0" y="0"/>
+          <a:chExt cx="0" cy="0"/>
+        </a:xfrm>
+      </p:grpSpPr>
+      <p:sp>
+        <p:nvSpPr>
+          <p:cNvPr id="2" name="Title 1"/>
+          <p:cNvSpPr>
+            <a:spLocks noGrp="1"/>
+          </p:cNvSpPr>
+          <p:nvPr>
+            <p:ph type="title"/>
+          </p:nvPr>
+        </p:nvSpPr>
+        <p:spPr/>
+        <p:txBody>
+          <a:bodyPr/>
+          <a:lstStyle/>
+          <a:p>
+            <a:r>
+              <a:rPr lang="en-US" dirty="0" smtClean="0"/>
+              <a:t>Beyond Benchmarking</a:t>
+            </a:r>
+            <a:endParaRPr lang="en-US" dirty="0">
+              <a:latin typeface="Courier"/>
+              <a:cs typeface="Courier"/>
+            </a:endParaRPr>
+          </a:p>
+        </p:txBody>
+      </p:sp>
+      <p:sp>
+        <p:nvSpPr>
+          <p:cNvPr id="3" name="Content Placeholder 2"/>
+          <p:cNvSpPr>
+            <a:spLocks noGrp="1"/>
+          </p:cNvSpPr>
+          <p:nvPr>
+            <p:ph idx="1"/>
+          </p:nvPr>
+        </p:nvSpPr>
+        <p:spPr/>
+        <p:txBody>
+          <a:bodyPr/>
+          <a:lstStyle/>
+          <a:p>
+            <a:r>
+              <a:rPr lang="en-US" dirty="0"/>
+              <a:t>Using </a:t>
+            </a:r>
+            <a:r>
+              <a:rPr lang="en-US" sz="2800" dirty="0" err="1">
+                <a:latin typeface="Courier"/>
+                <a:cs typeface="Courier"/>
+              </a:rPr>
+              <a:t>system.time</a:t>
+            </a:r>
+            <a:r>
+              <a:rPr lang="en-US" sz="2800" dirty="0">
+                <a:latin typeface="Courier"/>
+                <a:cs typeface="Courier"/>
+              </a:rPr>
+              <a:t>() </a:t>
+            </a:r>
+            <a:r>
+              <a:rPr lang="en-US" dirty="0" smtClean="0">
+                <a:latin typeface="Calibri" charset="0"/>
+                <a:ea typeface="Calibri" charset="0"/>
+                <a:cs typeface="Calibri" charset="0"/>
+              </a:rPr>
+              <a:t>and</a:t>
+            </a:r>
+            <a:r>
+              <a:rPr lang="en-US" sz="2800" dirty="0" smtClean="0">
+                <a:latin typeface="Courier"/>
+                <a:cs typeface="Courier"/>
+              </a:rPr>
+              <a:t> </a:t>
+            </a:r>
+            <a:r>
+              <a:rPr lang="en-US" sz="2800" dirty="0" err="1" smtClean="0">
+                <a:latin typeface="Courier"/>
+                <a:cs typeface="Courier"/>
+              </a:rPr>
+              <a:t>microbenchmark</a:t>
+            </a:r>
+            <a:r>
+              <a:rPr lang="en-US" sz="2800" dirty="0" smtClean="0">
+                <a:latin typeface="Courier"/>
+                <a:cs typeface="Courier"/>
+              </a:rPr>
+              <a:t>() </a:t>
+            </a:r>
+            <a:r>
+              <a:rPr lang="en-US" dirty="0" smtClean="0"/>
+              <a:t>allows </a:t>
+            </a:r>
+            <a:r>
+              <a:rPr lang="en-US" dirty="0"/>
+              <a:t>you to test certain functions or code blocks to see if they are taking excessive amounts of time</a:t>
+            </a:r>
+          </a:p>
+          <a:p>
+            <a:r>
+              <a:rPr lang="en-US" dirty="0"/>
+              <a:t>Assumes you already know where the problem is and can call </a:t>
+            </a:r>
+            <a:r>
+              <a:rPr lang="en-US" sz="2800" dirty="0" err="1">
+                <a:latin typeface="Courier"/>
+                <a:cs typeface="Courier"/>
+              </a:rPr>
+              <a:t>system.time</a:t>
+            </a:r>
+            <a:r>
+              <a:rPr lang="en-US" sz="2800" dirty="0">
+                <a:latin typeface="Courier"/>
+                <a:cs typeface="Courier"/>
+              </a:rPr>
+              <a:t>() </a:t>
+            </a:r>
+            <a:r>
+              <a:rPr lang="en-US" dirty="0"/>
+              <a:t>on it</a:t>
+            </a:r>
+          </a:p>
+          <a:p>
+            <a:r>
+              <a:rPr lang="en-US" dirty="0"/>
+              <a:t>What if you don’t know where to start? </a:t>
+            </a:r>
+          </a:p>
+        </p:txBody>
+      </p:sp>
+    </p:spTree>
+    <p:extLst>
+      <p:ext uri="{BB962C8B-B14F-4D97-AF65-F5344CB8AC3E}">
+        <p14:creationId xmlns:p14="http://schemas.microsoft.com/office/powerpoint/2010/main" val="3934344023"/>
+      </p:ext>
+    </p:extLst>
+  </p:cSld>
+  <p:clrMapOvr>
+    <a:masterClrMapping/>
+  </p:clrMapOvr>
+</p:sld>
+</file>
+
 <file path=ppt/slides/slide14.xml><?xml version="1.0" encoding="utf-8"?>
 <p:sld xmlns:a="http://schemas.openxmlformats.org/drawingml/2006/main" xmlns:r="http://schemas.openxmlformats.org/officeDocument/2006/relationships" xmlns:p="http://schemas.openxmlformats.org/presentationml/2006/main">
   <p:cSld>
@@ -3894,12 +3963,9 @@
           <a:p>
             <a:r>
               <a:rPr lang="en-US" dirty="0" smtClean="0"/>
-              <a:t>Beyond Benchmarking</a:t>
-            </a:r>
-            <a:endParaRPr lang="en-US" dirty="0">
-              <a:latin typeface="Courier"/>
-              <a:cs typeface="Courier"/>
-            </a:endParaRPr>
+              <a:t>The R Profiler</a:t>
+            </a:r>
+            <a:endParaRPr lang="en-US" dirty="0"/>
           </a:p>
         </p:txBody>
       </p:sp>
@@ -3915,93 +3981,115 @@
         </p:nvSpPr>
         <p:spPr/>
         <p:txBody>
-          <a:bodyPr/>
-          <a:lstStyle/>
+          <a:bodyPr>
+            <a:normAutofit/>
+          </a:bodyPr>
+          <a:lstStyle/>
+          <a:p>
+            <a:r>
+              <a:rPr lang="en-US" dirty="0" smtClean="0"/>
+              <a:t>The </a:t>
+            </a:r>
+            <a:r>
+              <a:rPr lang="en-US" dirty="0" err="1" smtClean="0">
+                <a:latin typeface="Courier"/>
+                <a:cs typeface="Courier"/>
+              </a:rPr>
+              <a:t>Rprof</a:t>
+            </a:r>
+            <a:r>
+              <a:rPr lang="en-US" dirty="0" smtClean="0">
+                <a:latin typeface="Courier"/>
+                <a:cs typeface="Courier"/>
+              </a:rPr>
+              <a:t>()</a:t>
+            </a:r>
+            <a:r>
+              <a:rPr lang="en-US" dirty="0" smtClean="0">
+                <a:cs typeface="Courier"/>
+              </a:rPr>
+              <a:t> </a:t>
+            </a:r>
+            <a:r>
+              <a:rPr lang="en-US" dirty="0" smtClean="0"/>
+              <a:t>function starts the profiler in R</a:t>
+            </a:r>
+          </a:p>
+          <a:p>
+            <a:pPr lvl="1"/>
+            <a:r>
+              <a:rPr lang="en-US" dirty="0" smtClean="0"/>
+              <a:t>R must be compiled with profiler support (but this is usually the case)</a:t>
+            </a:r>
+          </a:p>
+          <a:p>
+            <a:r>
+              <a:rPr lang="en-US" dirty="0" smtClean="0"/>
+              <a:t>The </a:t>
+            </a:r>
+            <a:r>
+              <a:rPr lang="en-US" dirty="0" err="1" smtClean="0">
+                <a:latin typeface="Courier"/>
+                <a:cs typeface="Courier"/>
+              </a:rPr>
+              <a:t>summaryRprof</a:t>
+            </a:r>
+            <a:r>
+              <a:rPr lang="en-US" dirty="0" smtClean="0">
+                <a:latin typeface="Courier"/>
+                <a:cs typeface="Courier"/>
+              </a:rPr>
+              <a:t>()</a:t>
+            </a:r>
+            <a:r>
+              <a:rPr lang="en-US" dirty="0" smtClean="0"/>
+              <a:t> function summarizes the output from </a:t>
+            </a:r>
+            <a:r>
+              <a:rPr lang="en-US" dirty="0" err="1">
+                <a:latin typeface="Courier"/>
+                <a:cs typeface="Courier"/>
+              </a:rPr>
+              <a:t>Rprof</a:t>
+            </a:r>
+            <a:r>
+              <a:rPr lang="en-US" dirty="0">
+                <a:latin typeface="Courier"/>
+                <a:cs typeface="Courier"/>
+              </a:rPr>
+              <a:t>()</a:t>
+            </a:r>
+            <a:r>
+              <a:rPr lang="en-US" dirty="0" smtClean="0"/>
+              <a:t> (otherwise it’s not readable)</a:t>
+            </a:r>
+          </a:p>
           <a:p>
             <a:r>
               <a:rPr lang="en-US" dirty="0"/>
-              <a:t>Using </a:t>
-            </a:r>
-            <a:r>
-              <a:rPr lang="en-US" sz="2800" dirty="0" err="1">
-                <a:latin typeface="Courier"/>
-                <a:cs typeface="Courier"/>
-              </a:rPr>
-              <a:t>system.time</a:t>
-            </a:r>
-            <a:r>
-              <a:rPr lang="en-US" sz="2800" dirty="0">
-                <a:latin typeface="Courier"/>
-                <a:cs typeface="Courier"/>
-              </a:rPr>
-              <a:t>() </a:t>
-            </a:r>
-            <a:r>
-              <a:rPr lang="en-US" dirty="0" smtClean="0">
-                <a:latin typeface="Calibri" charset="0"/>
-                <a:ea typeface="Calibri" charset="0"/>
-                <a:cs typeface="Calibri" charset="0"/>
-              </a:rPr>
-              <a:t>and</a:t>
-            </a:r>
-            <a:r>
-              <a:rPr lang="en-US" sz="2800" dirty="0" smtClean="0">
-                <a:latin typeface="Courier"/>
-                <a:cs typeface="Courier"/>
-              </a:rPr>
-              <a:t> </a:t>
-            </a:r>
-            <a:r>
-              <a:rPr lang="en-US" sz="2800" dirty="0" err="1" smtClean="0">
-                <a:latin typeface="Courier"/>
-                <a:cs typeface="Courier"/>
-              </a:rPr>
-              <a:t>microbenchmark</a:t>
-            </a:r>
-            <a:r>
-              <a:rPr lang="en-US" sz="2800" dirty="0" smtClean="0">
-                <a:latin typeface="Courier"/>
-                <a:cs typeface="Courier"/>
-              </a:rPr>
-              <a:t>() </a:t>
-            </a:r>
-            <a:r>
-              <a:rPr lang="en-US" dirty="0" smtClean="0"/>
-              <a:t>allows </a:t>
+              <a:t>DO NOT use </a:t>
+            </a:r>
+            <a:r>
+              <a:rPr lang="en-US" dirty="0">
+                <a:latin typeface="Courier"/>
+                <a:cs typeface="Courier"/>
+              </a:rPr>
+              <a:t>system.time()</a:t>
             </a:r>
             <a:r>
               <a:rPr lang="en-US" dirty="0"/>
-              <a:t>you to test certain functions or code blocks to see if they are taking excessive amounts of time</a:t>
-            </a:r>
-          </a:p>
-          <a:p>
+              <a:t> and </a:t>
+            </a:r>
+            <a:r>
+              <a:rPr lang="en-US" dirty="0">
+                <a:latin typeface="Courier"/>
+                <a:cs typeface="Courier"/>
+              </a:rPr>
+              <a:t>Rprof()</a:t>
+            </a:r>
             <a:r>
               <a:rPr lang="en-US" dirty="0"/>
-              <a:t>Assumes you already know where the problem is and can call </a:t>
-            </a:r>
-            <a:r>
-              <a:rPr lang="en-US" sz="2800" dirty="0" err="1">
-                <a:latin typeface="Courier"/>
-                <a:cs typeface="Courier"/>
-              </a:rPr>
-              <a:t>system.time</a:t>
-            </a:r>
-            <a:r>
-              <a:rPr lang="en-US" sz="2800" dirty="0">
-                <a:latin typeface="Courier"/>
-                <a:cs typeface="Courier"/>
-              </a:rPr>
-              <a:t>() </a:t>
-            </a:r>
-            <a:r>
-              <a:rPr lang="en-US" dirty="0"/>
-              <a:t>on it</a:t>
-            </a:r>
-          </a:p>
-          <a:p>
-            <a:r>
-              <a:rPr lang="en-US" dirty="0"/>
-              <a:t>What if you don’t know where to start? </a:t>
+              <a:t> together or you will be sad</a:t>
             </a:r>
           </a:p>
         </p:txBody>
@@ -4009,7 +4097,7 @@
     </p:spTree>
     <p:extLst>
       <p:ext uri="{BB962C8B-B14F-4D97-AF65-F5344CB8AC3E}">
-        <p14:creationId xmlns:p14="http://schemas.microsoft.com/office/powerpoint/2010/main" val="3934344023"/>
+        <p14:creationId xmlns:p14="http://schemas.microsoft.com/office/powerpoint/2010/main" val="1860025069"/>
       </p:ext>
     </p:extLst>
   </p:cSld>
@@ -4052,10 +4140,9 @@
           <a:lstStyle/>
           <a:p>
             <a:r>
-              <a:rPr lang="en-US" dirty="0" smtClean="0"/>
+              <a:rPr lang="en-US"/>
               <a:t>The R Profiler</a:t>
             </a:r>
-            <a:endParaRPr lang="en-US" dirty="0"/>
           </a:p>
         </p:txBody>
       </p:sp>
@@ -4071,123 +4158,49 @@
         </p:nvSpPr>
         <p:spPr/>
         <p:txBody>
-          <a:bodyPr>
-            <a:normAutofit/>
-          </a:bodyPr>
-          <a:lstStyle/>
-          <a:p>
-            <a:r>
-              <a:rPr lang="en-US" dirty="0" smtClean="0"/>
-              <a:t>The </a:t>
-            </a:r>
-            <a:r>
-              <a:rPr lang="en-US" dirty="0" err="1" smtClean="0">
+          <a:bodyPr/>
+          <a:lstStyle/>
+          <a:p>
+            <a:r>
+              <a:rPr lang="en-US" dirty="0" err="1">
                 <a:latin typeface="Courier"/>
                 <a:cs typeface="Courier"/>
               </a:rPr>
               <a:t>Rprof</a:t>
             </a:r>
             <a:r>
-              <a:rPr lang="en-US" dirty="0" smtClean="0">
+              <a:rPr lang="en-US" dirty="0">
                 <a:latin typeface="Courier"/>
                 <a:cs typeface="Courier"/>
               </a:rPr>
               <a:t>()</a:t>
             </a:r>
             <a:r>
-              <a:rPr lang="en-US" dirty="0" smtClean="0">
-                <a:cs typeface="Courier"/>
-              </a:rPr>
-              <a:t> </a:t>
-            </a:r>
-            <a:r>
-              <a:rPr lang="en-US" dirty="0" smtClean="0"/>
-              <a:t>function starts the profiler in R</a:t>
-            </a:r>
-          </a:p>
-          <a:p>
-            <a:pPr lvl="1"/>
-            <a:r>
-              <a:rPr lang="en-US" dirty="0" smtClean="0"/>
-              <a:t>R must be compiled with profiler support (but this is usually the case)</a:t>
-            </a:r>
-          </a:p>
-          <a:p>
-            <a:r>
-              <a:rPr lang="en-US" dirty="0" smtClean="0"/>
-              <a:t>The </a:t>
-            </a:r>
-            <a:r>
-              <a:rPr lang="en-US" dirty="0" err="1" smtClean="0">
-                <a:latin typeface="Courier"/>
-                <a:cs typeface="Courier"/>
-              </a:rPr>
-              <a:t>summaryRprof</a:t>
-            </a:r>
-            <a:r>
-              <a:rPr lang="en-US" dirty="0" smtClean="0">
-                <a:latin typeface="Courier"/>
-                <a:cs typeface="Courier"/>
-              </a:rPr>
-              <a:t>()</a:t>
-            </a:r>
-            <a:r>
-              <a:rPr lang="en-US" dirty="0" smtClean="0"/>
-              <a:t> function summarizes the output from </a:t>
-            </a:r>
-            <a:r>
-              <a:rPr lang="en-US" dirty="0" err="1">
-                <a:latin typeface="Courier"/>
-                <a:cs typeface="Courier"/>
-              </a:rPr>
-              <a:t>Rprof</a:t>
-            </a:r>
-            <a:r>
-              <a:rPr lang="en-US" dirty="0">
-                <a:latin typeface="Courier"/>
-                <a:cs typeface="Courier"/>
-              </a:rPr>
-              <a:t>()</a:t>
-            </a:r>
-            <a:r>
-              <a:rPr lang="en-US" dirty="0" smtClean="0"/>
-              <a:t> (otherwise it’s not readable)</a:t>
-            </a:r>
-          </a:p>
-          <a:p>
-            <a:r>
               <a:rPr lang="en-US" dirty="0"/>
-              <a:t>DO NOT use </a:t>
-            </a:r>
-            <a:r>
-              <a:rPr lang="en-US" dirty="0">
-                <a:latin typeface="Courier"/>
-                <a:cs typeface="Courier"/>
-              </a:rPr>
-              <a:t>system.time()</a:t>
-            </a:r>
+              <a:t> keeps track of the function call stack at regularly sampled intervals and tabulates how much time is spend in each function</a:t>
+            </a:r>
+          </a:p>
+          <a:p>
             <a:r>
               <a:rPr lang="en-US" dirty="0"/>
-              <a:t> and </a:t>
-            </a:r>
-            <a:r>
-              <a:rPr lang="en-US" dirty="0">
-                <a:latin typeface="Courier"/>
-                <a:cs typeface="Courier"/>
-              </a:rPr>
-              <a:t>Rprof()</a:t>
-            </a:r>
+              <a:t>Default sampling interval is 0.02 seconds</a:t>
+            </a:r>
+          </a:p>
+          <a:p>
             <a:r>
               <a:rPr lang="en-US" dirty="0"/>
-              <a:t> together or you will be sad</a:t>
-            </a:r>
+              <a:t>NOTE: If your code runs very quickly, the profiler is not useful</a:t>
+            </a:r>
+          </a:p>
+          <a:p>
+            <a:endParaRPr lang="en-US"/>
           </a:p>
         </p:txBody>
       </p:sp>
     </p:spTree>
     <p:extLst>
       <p:ext uri="{BB962C8B-B14F-4D97-AF65-F5344CB8AC3E}">
-        <p14:creationId xmlns:p14="http://schemas.microsoft.com/office/powerpoint/2010/main" val="1860025069"/>
+        <p14:creationId xmlns:p14="http://schemas.microsoft.com/office/powerpoint/2010/main" val="2271310243"/>
       </p:ext>
     </p:extLst>
   </p:cSld>
@@ -4230,9 +4243,10 @@
           <a:lstStyle/>
           <a:p>
             <a:r>
-              <a:rPr lang="en-US"/>
-              <a:t>The R Profiler</a:t>
-            </a:r>
+              <a:rPr lang="en-US" dirty="0" smtClean="0"/>
+              <a:t>R Profiler Output</a:t>
+            </a:r>
+            <a:endParaRPr lang="en-US" dirty="0"/>
           </a:p>
         </p:txBody>
       </p:sp>
@@ -4248,49 +4262,1179 @@
         </p:nvSpPr>
         <p:spPr/>
         <p:txBody>
-          <a:bodyPr/>
-          <a:lstStyle/>
-          <a:p>
-            <a:r>
-              <a:rPr lang="en-US" dirty="0" err="1">
-                <a:latin typeface="Courier"/>
-                <a:cs typeface="Courier"/>
-              </a:rPr>
-              <a:t>Rprof</a:t>
-            </a:r>
-            <a:r>
-              <a:rPr lang="en-US" dirty="0">
-                <a:latin typeface="Courier"/>
-                <a:cs typeface="Courier"/>
-              </a:rPr>
-              <a:t>()</a:t>
-            </a:r>
-            <a:r>
-              <a:rPr lang="en-US" dirty="0"/>
-              <a:t> keeps track of the function call stack at regularly sampled intervals and tabulates how much time is spend in each function</a:t>
-            </a:r>
-          </a:p>
-          <a:p>
-            <a:r>
-              <a:rPr lang="en-US" dirty="0"/>
-              <a:t>Default sampling interval is 0.02 seconds</a:t>
-            </a:r>
-          </a:p>
-          <a:p>
-            <a:r>
-              <a:rPr lang="en-US" dirty="0"/>
-              <a:t>NOTE: If your code runs very quickly, the profiler is not useful</a:t>
-            </a:r>
-          </a:p>
-          <a:p>
-            <a:endParaRPr lang="en-US"/>
+          <a:bodyPr>
+            <a:normAutofit fontScale="92500" lnSpcReduction="10000"/>
+          </a:bodyPr>
+          <a:lstStyle/>
+          <a:p>
+            <a:pPr marL="0" indent="0">
+              <a:buNone/>
+            </a:pPr>
+            <a:r>
+              <a:rPr lang="en-US" sz="1400" dirty="0" err="1">
+                <a:latin typeface="Courier"/>
+                <a:cs typeface="Courier"/>
+              </a:rPr>
+              <a:t>## lm(y ~ x)</a:t>
+            </a:r>
+          </a:p>
+          <a:p>
+            <a:pPr marL="0" indent="0">
+              <a:buNone/>
+            </a:pPr>
+            <a:endParaRPr lang="en-US" sz="1400" dirty="0" err="1">
+              <a:latin typeface="Courier"/>
+              <a:cs typeface="Courier"/>
+            </a:endParaRPr>
+          </a:p>
+          <a:p>
+            <a:pPr marL="0" indent="0">
+              <a:buNone/>
+            </a:pPr>
+            <a:r>
+              <a:rPr lang="en-US" sz="1400" dirty="0" err="1">
+                <a:latin typeface="Courier"/>
+                <a:cs typeface="Courier"/>
+              </a:rPr>
+              <a:t>sample.interval</a:t>
+            </a:r>
+            <a:r>
+              <a:rPr lang="en-US" sz="1400" dirty="0">
+                <a:latin typeface="Courier"/>
+                <a:cs typeface="Courier"/>
+              </a:rPr>
+              <a:t>=10000</a:t>
+            </a:r>
+          </a:p>
+          <a:p>
+            <a:pPr marL="0" indent="0">
+              <a:buNone/>
+            </a:pPr>
+            <a:r>
+              <a:rPr lang="en-US" sz="1400" dirty="0">
+                <a:latin typeface="Courier"/>
+                <a:cs typeface="Courier"/>
+              </a:rPr>
+              <a:t>"list" "</a:t>
+            </a:r>
+            <a:r>
+              <a:rPr lang="en-US" sz="1400" dirty="0" err="1">
+                <a:latin typeface="Courier"/>
+                <a:cs typeface="Courier"/>
+              </a:rPr>
+              <a:t>eval</a:t>
+            </a:r>
+            <a:r>
+              <a:rPr lang="en-US" sz="1400" dirty="0">
+                <a:latin typeface="Courier"/>
+                <a:cs typeface="Courier"/>
+              </a:rPr>
+              <a:t>" "</a:t>
+            </a:r>
+            <a:r>
+              <a:rPr lang="en-US" sz="1400" dirty="0" err="1">
+                <a:latin typeface="Courier"/>
+                <a:cs typeface="Courier"/>
+              </a:rPr>
+              <a:t>eval</a:t>
+            </a:r>
+            <a:r>
+              <a:rPr lang="en-US" sz="1400" dirty="0">
+                <a:latin typeface="Courier"/>
+                <a:cs typeface="Courier"/>
+              </a:rPr>
+              <a:t>" "</a:t>
+            </a:r>
+            <a:r>
+              <a:rPr lang="en-US" sz="1400" dirty="0" err="1">
+                <a:latin typeface="Courier"/>
+                <a:cs typeface="Courier"/>
+              </a:rPr>
+              <a:t>model.frame.default</a:t>
+            </a:r>
+            <a:r>
+              <a:rPr lang="en-US" sz="1400" dirty="0">
+                <a:latin typeface="Courier"/>
+                <a:cs typeface="Courier"/>
+              </a:rPr>
+              <a:t>" "</a:t>
+            </a:r>
+            <a:r>
+              <a:rPr lang="en-US" sz="1400" dirty="0" err="1">
+                <a:latin typeface="Courier"/>
+                <a:cs typeface="Courier"/>
+              </a:rPr>
+              <a:t>model.frame</a:t>
+            </a:r>
+            <a:r>
+              <a:rPr lang="en-US" sz="1400" dirty="0">
+                <a:latin typeface="Courier"/>
+                <a:cs typeface="Courier"/>
+              </a:rPr>
+              <a:t>" "</a:t>
+            </a:r>
+            <a:r>
+              <a:rPr lang="en-US" sz="1400" dirty="0" err="1">
+                <a:latin typeface="Courier"/>
+                <a:cs typeface="Courier"/>
+              </a:rPr>
+              <a:t>eval</a:t>
+            </a:r>
+            <a:r>
+              <a:rPr lang="en-US" sz="1400" dirty="0">
+                <a:latin typeface="Courier"/>
+                <a:cs typeface="Courier"/>
+              </a:rPr>
+              <a:t>" "</a:t>
+            </a:r>
+            <a:r>
+              <a:rPr lang="en-US" sz="1400" dirty="0" err="1">
+                <a:latin typeface="Courier"/>
+                <a:cs typeface="Courier"/>
+              </a:rPr>
+              <a:t>eval</a:t>
+            </a:r>
+            <a:r>
+              <a:rPr lang="en-US" sz="1400" dirty="0">
+                <a:latin typeface="Courier"/>
+                <a:cs typeface="Courier"/>
+              </a:rPr>
+              <a:t>" "lm" </a:t>
+            </a:r>
+          </a:p>
+          <a:p>
+            <a:pPr marL="0" indent="0">
+              <a:buNone/>
+            </a:pPr>
+            <a:r>
+              <a:rPr lang="en-US" sz="1400" dirty="0">
+                <a:latin typeface="Courier"/>
+                <a:cs typeface="Courier"/>
+              </a:rPr>
+              <a:t>"list" "</a:t>
+            </a:r>
+            <a:r>
+              <a:rPr lang="en-US" sz="1400" dirty="0" err="1">
+                <a:latin typeface="Courier"/>
+                <a:cs typeface="Courier"/>
+              </a:rPr>
+              <a:t>eval</a:t>
+            </a:r>
+            <a:r>
+              <a:rPr lang="en-US" sz="1400" dirty="0">
+                <a:latin typeface="Courier"/>
+                <a:cs typeface="Courier"/>
+              </a:rPr>
+              <a:t>" "</a:t>
+            </a:r>
+            <a:r>
+              <a:rPr lang="en-US" sz="1400" dirty="0" err="1">
+                <a:latin typeface="Courier"/>
+                <a:cs typeface="Courier"/>
+              </a:rPr>
+              <a:t>eval</a:t>
+            </a:r>
+            <a:r>
+              <a:rPr lang="en-US" sz="1400" dirty="0">
+                <a:latin typeface="Courier"/>
+                <a:cs typeface="Courier"/>
+              </a:rPr>
+              <a:t>" "</a:t>
+            </a:r>
+            <a:r>
+              <a:rPr lang="en-US" sz="1400" dirty="0" err="1">
+                <a:latin typeface="Courier"/>
+                <a:cs typeface="Courier"/>
+              </a:rPr>
+              <a:t>model.frame.default</a:t>
+            </a:r>
+            <a:r>
+              <a:rPr lang="en-US" sz="1400" dirty="0">
+                <a:latin typeface="Courier"/>
+                <a:cs typeface="Courier"/>
+              </a:rPr>
+              <a:t>" "</a:t>
+            </a:r>
+            <a:r>
+              <a:rPr lang="en-US" sz="1400" dirty="0" err="1">
+                <a:latin typeface="Courier"/>
+                <a:cs typeface="Courier"/>
+              </a:rPr>
+              <a:t>model.frame</a:t>
+            </a:r>
+            <a:r>
+              <a:rPr lang="en-US" sz="1400" dirty="0">
+                <a:latin typeface="Courier"/>
+                <a:cs typeface="Courier"/>
+              </a:rPr>
+              <a:t>" "</a:t>
+            </a:r>
+            <a:r>
+              <a:rPr lang="en-US" sz="1400" dirty="0" err="1">
+                <a:latin typeface="Courier"/>
+                <a:cs typeface="Courier"/>
+              </a:rPr>
+              <a:t>eval</a:t>
+            </a:r>
+            <a:r>
+              <a:rPr lang="en-US" sz="1400" dirty="0">
+                <a:latin typeface="Courier"/>
+                <a:cs typeface="Courier"/>
+              </a:rPr>
+              <a:t>" "</a:t>
+            </a:r>
+            <a:r>
+              <a:rPr lang="en-US" sz="1400" dirty="0" err="1">
+                <a:latin typeface="Courier"/>
+                <a:cs typeface="Courier"/>
+              </a:rPr>
+              <a:t>eval</a:t>
+            </a:r>
+            <a:r>
+              <a:rPr lang="en-US" sz="1400" dirty="0">
+                <a:latin typeface="Courier"/>
+                <a:cs typeface="Courier"/>
+              </a:rPr>
+              <a:t>" "lm" </a:t>
+            </a:r>
+          </a:p>
+          <a:p>
+            <a:pPr marL="0" indent="0">
+              <a:buNone/>
+            </a:pPr>
+            <a:r>
+              <a:rPr lang="en-US" sz="1400" dirty="0">
+                <a:latin typeface="Courier"/>
+                <a:cs typeface="Courier"/>
+              </a:rPr>
+              <a:t>"list" "</a:t>
+            </a:r>
+            <a:r>
+              <a:rPr lang="en-US" sz="1400" dirty="0" err="1">
+                <a:latin typeface="Courier"/>
+                <a:cs typeface="Courier"/>
+              </a:rPr>
+              <a:t>eval</a:t>
+            </a:r>
+            <a:r>
+              <a:rPr lang="en-US" sz="1400" dirty="0">
+                <a:latin typeface="Courier"/>
+                <a:cs typeface="Courier"/>
+              </a:rPr>
+              <a:t>" "</a:t>
+            </a:r>
+            <a:r>
+              <a:rPr lang="en-US" sz="1400" dirty="0" err="1">
+                <a:latin typeface="Courier"/>
+                <a:cs typeface="Courier"/>
+              </a:rPr>
+              <a:t>eval</a:t>
+            </a:r>
+            <a:r>
+              <a:rPr lang="en-US" sz="1400" dirty="0">
+                <a:latin typeface="Courier"/>
+                <a:cs typeface="Courier"/>
+              </a:rPr>
+              <a:t>" "</a:t>
+            </a:r>
+            <a:r>
+              <a:rPr lang="en-US" sz="1400" dirty="0" err="1">
+                <a:latin typeface="Courier"/>
+                <a:cs typeface="Courier"/>
+              </a:rPr>
+              <a:t>model.frame.default</a:t>
+            </a:r>
+            <a:r>
+              <a:rPr lang="en-US" sz="1400" dirty="0">
+                <a:latin typeface="Courier"/>
+                <a:cs typeface="Courier"/>
+              </a:rPr>
+              <a:t>" "</a:t>
+            </a:r>
+            <a:r>
+              <a:rPr lang="en-US" sz="1400" dirty="0" err="1">
+                <a:latin typeface="Courier"/>
+                <a:cs typeface="Courier"/>
+              </a:rPr>
+              <a:t>model.frame</a:t>
+            </a:r>
+            <a:r>
+              <a:rPr lang="en-US" sz="1400" dirty="0">
+                <a:latin typeface="Courier"/>
+                <a:cs typeface="Courier"/>
+              </a:rPr>
+              <a:t>" "</a:t>
+            </a:r>
+            <a:r>
+              <a:rPr lang="en-US" sz="1400" dirty="0" err="1">
+                <a:latin typeface="Courier"/>
+                <a:cs typeface="Courier"/>
+              </a:rPr>
+              <a:t>eval</a:t>
+            </a:r>
+            <a:r>
+              <a:rPr lang="en-US" sz="1400" dirty="0">
+                <a:latin typeface="Courier"/>
+                <a:cs typeface="Courier"/>
+              </a:rPr>
+              <a:t>" "</a:t>
+            </a:r>
+            <a:r>
+              <a:rPr lang="en-US" sz="1400" dirty="0" err="1">
+                <a:latin typeface="Courier"/>
+                <a:cs typeface="Courier"/>
+              </a:rPr>
+              <a:t>eval</a:t>
+            </a:r>
+            <a:r>
+              <a:rPr lang="en-US" sz="1400" dirty="0">
+                <a:latin typeface="Courier"/>
+                <a:cs typeface="Courier"/>
+              </a:rPr>
+              <a:t>" "lm" </a:t>
+            </a:r>
+          </a:p>
+          <a:p>
+            <a:pPr marL="0" indent="0">
+              <a:buNone/>
+            </a:pPr>
+            <a:r>
+              <a:rPr lang="en-US" sz="1400" dirty="0">
+                <a:latin typeface="Courier"/>
+                <a:cs typeface="Courier"/>
+              </a:rPr>
+              <a:t>"list" "</a:t>
+            </a:r>
+            <a:r>
+              <a:rPr lang="en-US" sz="1400" dirty="0" err="1">
+                <a:latin typeface="Courier"/>
+                <a:cs typeface="Courier"/>
+              </a:rPr>
+              <a:t>eval</a:t>
+            </a:r>
+            <a:r>
+              <a:rPr lang="en-US" sz="1400" dirty="0">
+                <a:latin typeface="Courier"/>
+                <a:cs typeface="Courier"/>
+              </a:rPr>
+              <a:t>" "</a:t>
+            </a:r>
+            <a:r>
+              <a:rPr lang="en-US" sz="1400" dirty="0" err="1">
+                <a:latin typeface="Courier"/>
+                <a:cs typeface="Courier"/>
+              </a:rPr>
+              <a:t>eval</a:t>
+            </a:r>
+            <a:r>
+              <a:rPr lang="en-US" sz="1400" dirty="0">
+                <a:latin typeface="Courier"/>
+                <a:cs typeface="Courier"/>
+              </a:rPr>
+              <a:t>" "</a:t>
+            </a:r>
+            <a:r>
+              <a:rPr lang="en-US" sz="1400" dirty="0" err="1">
+                <a:latin typeface="Courier"/>
+                <a:cs typeface="Courier"/>
+              </a:rPr>
+              <a:t>model.frame.default</a:t>
+            </a:r>
+            <a:r>
+              <a:rPr lang="en-US" sz="1400" dirty="0">
+                <a:latin typeface="Courier"/>
+                <a:cs typeface="Courier"/>
+              </a:rPr>
+              <a:t>" "</a:t>
+            </a:r>
+            <a:r>
+              <a:rPr lang="en-US" sz="1400" dirty="0" err="1">
+                <a:latin typeface="Courier"/>
+                <a:cs typeface="Courier"/>
+              </a:rPr>
+              <a:t>model.frame</a:t>
+            </a:r>
+            <a:r>
+              <a:rPr lang="en-US" sz="1400" dirty="0">
+                <a:latin typeface="Courier"/>
+                <a:cs typeface="Courier"/>
+              </a:rPr>
+              <a:t>" "</a:t>
+            </a:r>
+            <a:r>
+              <a:rPr lang="en-US" sz="1400" dirty="0" err="1">
+                <a:latin typeface="Courier"/>
+                <a:cs typeface="Courier"/>
+              </a:rPr>
+              <a:t>eval</a:t>
+            </a:r>
+            <a:r>
+              <a:rPr lang="en-US" sz="1400" dirty="0">
+                <a:latin typeface="Courier"/>
+                <a:cs typeface="Courier"/>
+              </a:rPr>
+              <a:t>" "</a:t>
+            </a:r>
+            <a:r>
+              <a:rPr lang="en-US" sz="1400" dirty="0" err="1">
+                <a:latin typeface="Courier"/>
+                <a:cs typeface="Courier"/>
+              </a:rPr>
+              <a:t>eval</a:t>
+            </a:r>
+            <a:r>
+              <a:rPr lang="en-US" sz="1400" dirty="0">
+                <a:latin typeface="Courier"/>
+                <a:cs typeface="Courier"/>
+              </a:rPr>
+              <a:t>" "lm" </a:t>
+            </a:r>
+          </a:p>
+          <a:p>
+            <a:pPr marL="0" indent="0">
+              <a:buNone/>
+            </a:pPr>
+            <a:r>
+              <a:rPr lang="en-US" sz="1400" dirty="0">
+                <a:latin typeface="Courier"/>
+                <a:cs typeface="Courier"/>
+              </a:rPr>
+              <a:t>"</a:t>
+            </a:r>
+            <a:r>
+              <a:rPr lang="en-US" sz="1400" dirty="0" err="1">
+                <a:latin typeface="Courier"/>
+                <a:cs typeface="Courier"/>
+              </a:rPr>
+              <a:t>na.omit</a:t>
+            </a:r>
+            <a:r>
+              <a:rPr lang="en-US" sz="1400" dirty="0">
+                <a:latin typeface="Courier"/>
+                <a:cs typeface="Courier"/>
+              </a:rPr>
+              <a:t>" "</a:t>
+            </a:r>
+            <a:r>
+              <a:rPr lang="en-US" sz="1400" dirty="0" err="1">
+                <a:latin typeface="Courier"/>
+                <a:cs typeface="Courier"/>
+              </a:rPr>
+              <a:t>model.frame.default</a:t>
+            </a:r>
+            <a:r>
+              <a:rPr lang="en-US" sz="1400" dirty="0">
+                <a:latin typeface="Courier"/>
+                <a:cs typeface="Courier"/>
+              </a:rPr>
+              <a:t>" "</a:t>
+            </a:r>
+            <a:r>
+              <a:rPr lang="en-US" sz="1400" dirty="0" err="1">
+                <a:latin typeface="Courier"/>
+                <a:cs typeface="Courier"/>
+              </a:rPr>
+              <a:t>model.frame</a:t>
+            </a:r>
+            <a:r>
+              <a:rPr lang="en-US" sz="1400" dirty="0">
+                <a:latin typeface="Courier"/>
+                <a:cs typeface="Courier"/>
+              </a:rPr>
+              <a:t>" "</a:t>
+            </a:r>
+            <a:r>
+              <a:rPr lang="en-US" sz="1400" dirty="0" err="1">
+                <a:latin typeface="Courier"/>
+                <a:cs typeface="Courier"/>
+              </a:rPr>
+              <a:t>eval</a:t>
+            </a:r>
+            <a:r>
+              <a:rPr lang="en-US" sz="1400" dirty="0">
+                <a:latin typeface="Courier"/>
+                <a:cs typeface="Courier"/>
+              </a:rPr>
+              <a:t>" "</a:t>
+            </a:r>
+            <a:r>
+              <a:rPr lang="en-US" sz="1400" dirty="0" err="1">
+                <a:latin typeface="Courier"/>
+                <a:cs typeface="Courier"/>
+              </a:rPr>
+              <a:t>eval</a:t>
+            </a:r>
+            <a:r>
+              <a:rPr lang="en-US" sz="1400" dirty="0">
+                <a:latin typeface="Courier"/>
+                <a:cs typeface="Courier"/>
+              </a:rPr>
+              <a:t>" "lm" </a:t>
+            </a:r>
+          </a:p>
+          <a:p>
+            <a:pPr marL="0" indent="0">
+              <a:buNone/>
+            </a:pPr>
+            <a:r>
+              <a:rPr lang="en-US" sz="1400" dirty="0">
+                <a:latin typeface="Courier"/>
+                <a:cs typeface="Courier"/>
+              </a:rPr>
+              <a:t>"</a:t>
+            </a:r>
+            <a:r>
+              <a:rPr lang="en-US" sz="1400" dirty="0" err="1">
+                <a:latin typeface="Courier"/>
+                <a:cs typeface="Courier"/>
+              </a:rPr>
+              <a:t>na.omit</a:t>
+            </a:r>
+            <a:r>
+              <a:rPr lang="en-US" sz="1400" dirty="0">
+                <a:latin typeface="Courier"/>
+                <a:cs typeface="Courier"/>
+              </a:rPr>
+              <a:t>" "</a:t>
+            </a:r>
+            <a:r>
+              <a:rPr lang="en-US" sz="1400" dirty="0" err="1">
+                <a:latin typeface="Courier"/>
+                <a:cs typeface="Courier"/>
+              </a:rPr>
+              <a:t>model.frame.default</a:t>
+            </a:r>
+            <a:r>
+              <a:rPr lang="en-US" sz="1400" dirty="0">
+                <a:latin typeface="Courier"/>
+                <a:cs typeface="Courier"/>
+              </a:rPr>
+              <a:t>" "</a:t>
+            </a:r>
+            <a:r>
+              <a:rPr lang="en-US" sz="1400" dirty="0" err="1">
+                <a:latin typeface="Courier"/>
+                <a:cs typeface="Courier"/>
+              </a:rPr>
+              <a:t>model.frame</a:t>
+            </a:r>
+            <a:r>
+              <a:rPr lang="en-US" sz="1400" dirty="0">
+                <a:latin typeface="Courier"/>
+                <a:cs typeface="Courier"/>
+              </a:rPr>
+              <a:t>" "</a:t>
+            </a:r>
+            <a:r>
+              <a:rPr lang="en-US" sz="1400" dirty="0" err="1">
+                <a:latin typeface="Courier"/>
+                <a:cs typeface="Courier"/>
+              </a:rPr>
+              <a:t>eval</a:t>
+            </a:r>
+            <a:r>
+              <a:rPr lang="en-US" sz="1400" dirty="0">
+                <a:latin typeface="Courier"/>
+                <a:cs typeface="Courier"/>
+              </a:rPr>
+              <a:t>" "</a:t>
+            </a:r>
+            <a:r>
+              <a:rPr lang="en-US" sz="1400" dirty="0" err="1">
+                <a:latin typeface="Courier"/>
+                <a:cs typeface="Courier"/>
+              </a:rPr>
+              <a:t>eval</a:t>
+            </a:r>
+            <a:r>
+              <a:rPr lang="en-US" sz="1400" dirty="0">
+                <a:latin typeface="Courier"/>
+                <a:cs typeface="Courier"/>
+              </a:rPr>
+              <a:t>" "lm" </a:t>
+            </a:r>
+          </a:p>
+          <a:p>
+            <a:pPr marL="0" indent="0">
+              <a:buNone/>
+            </a:pPr>
+            <a:r>
+              <a:rPr lang="en-US" sz="1400" dirty="0">
+                <a:latin typeface="Courier"/>
+                <a:cs typeface="Courier"/>
+              </a:rPr>
+              <a:t>"</a:t>
+            </a:r>
+            <a:r>
+              <a:rPr lang="en-US" sz="1400" dirty="0" err="1">
+                <a:latin typeface="Courier"/>
+                <a:cs typeface="Courier"/>
+              </a:rPr>
+              <a:t>na.omit</a:t>
+            </a:r>
+            <a:r>
+              <a:rPr lang="en-US" sz="1400" dirty="0">
+                <a:latin typeface="Courier"/>
+                <a:cs typeface="Courier"/>
+              </a:rPr>
+              <a:t>" "</a:t>
+            </a:r>
+            <a:r>
+              <a:rPr lang="en-US" sz="1400" dirty="0" err="1">
+                <a:latin typeface="Courier"/>
+                <a:cs typeface="Courier"/>
+              </a:rPr>
+              <a:t>model.frame.default</a:t>
+            </a:r>
+            <a:r>
+              <a:rPr lang="en-US" sz="1400" dirty="0">
+                <a:latin typeface="Courier"/>
+                <a:cs typeface="Courier"/>
+              </a:rPr>
+              <a:t>" "</a:t>
+            </a:r>
+            <a:r>
+              <a:rPr lang="en-US" sz="1400" dirty="0" err="1">
+                <a:latin typeface="Courier"/>
+                <a:cs typeface="Courier"/>
+              </a:rPr>
+              <a:t>model.frame</a:t>
+            </a:r>
+            <a:r>
+              <a:rPr lang="en-US" sz="1400" dirty="0">
+                <a:latin typeface="Courier"/>
+                <a:cs typeface="Courier"/>
+              </a:rPr>
+              <a:t>" "</a:t>
+            </a:r>
+            <a:r>
+              <a:rPr lang="en-US" sz="1400" dirty="0" err="1">
+                <a:latin typeface="Courier"/>
+                <a:cs typeface="Courier"/>
+              </a:rPr>
+              <a:t>eval</a:t>
+            </a:r>
+            <a:r>
+              <a:rPr lang="en-US" sz="1400" dirty="0">
+                <a:latin typeface="Courier"/>
+                <a:cs typeface="Courier"/>
+              </a:rPr>
+              <a:t>" "</a:t>
+            </a:r>
+            <a:r>
+              <a:rPr lang="en-US" sz="1400" dirty="0" err="1">
+                <a:latin typeface="Courier"/>
+                <a:cs typeface="Courier"/>
+              </a:rPr>
+              <a:t>eval</a:t>
+            </a:r>
+            <a:r>
+              <a:rPr lang="en-US" sz="1400" dirty="0">
+                <a:latin typeface="Courier"/>
+                <a:cs typeface="Courier"/>
+              </a:rPr>
+              <a:t>" "lm" </a:t>
+            </a:r>
+          </a:p>
+          <a:p>
+            <a:pPr marL="0" indent="0">
+              <a:buNone/>
+            </a:pPr>
+            <a:r>
+              <a:rPr lang="en-US" sz="1400" dirty="0">
+                <a:latin typeface="Courier"/>
+                <a:cs typeface="Courier"/>
+              </a:rPr>
+              <a:t>"</a:t>
+            </a:r>
+            <a:r>
+              <a:rPr lang="en-US" sz="1400" dirty="0" err="1">
+                <a:latin typeface="Courier"/>
+                <a:cs typeface="Courier"/>
+              </a:rPr>
+              <a:t>na.omit</a:t>
+            </a:r>
+            <a:r>
+              <a:rPr lang="en-US" sz="1400" dirty="0">
+                <a:latin typeface="Courier"/>
+                <a:cs typeface="Courier"/>
+              </a:rPr>
+              <a:t>" "</a:t>
+            </a:r>
+            <a:r>
+              <a:rPr lang="en-US" sz="1400" dirty="0" err="1">
+                <a:latin typeface="Courier"/>
+                <a:cs typeface="Courier"/>
+              </a:rPr>
+              <a:t>model.frame.default</a:t>
+            </a:r>
+            <a:r>
+              <a:rPr lang="en-US" sz="1400" dirty="0">
+                <a:latin typeface="Courier"/>
+                <a:cs typeface="Courier"/>
+              </a:rPr>
+              <a:t>" "</a:t>
+            </a:r>
+            <a:r>
+              <a:rPr lang="en-US" sz="1400" dirty="0" err="1">
+                <a:latin typeface="Courier"/>
+                <a:cs typeface="Courier"/>
+              </a:rPr>
+              <a:t>model.frame</a:t>
+            </a:r>
+            <a:r>
+              <a:rPr lang="en-US" sz="1400" dirty="0">
+                <a:latin typeface="Courier"/>
+                <a:cs typeface="Courier"/>
+              </a:rPr>
+              <a:t>" "</a:t>
+            </a:r>
+            <a:r>
+              <a:rPr lang="en-US" sz="1400" dirty="0" err="1">
+                <a:latin typeface="Courier"/>
+                <a:cs typeface="Courier"/>
+              </a:rPr>
+              <a:t>eval</a:t>
+            </a:r>
+            <a:r>
+              <a:rPr lang="en-US" sz="1400" dirty="0">
+                <a:latin typeface="Courier"/>
+                <a:cs typeface="Courier"/>
+              </a:rPr>
+              <a:t>" "</a:t>
+            </a:r>
+            <a:r>
+              <a:rPr lang="en-US" sz="1400" dirty="0" err="1">
+                <a:latin typeface="Courier"/>
+                <a:cs typeface="Courier"/>
+              </a:rPr>
+              <a:t>eval</a:t>
+            </a:r>
+            <a:r>
+              <a:rPr lang="en-US" sz="1400" dirty="0">
+                <a:latin typeface="Courier"/>
+                <a:cs typeface="Courier"/>
+              </a:rPr>
+              <a:t>" "lm" </a:t>
+            </a:r>
+          </a:p>
+          <a:p>
+            <a:pPr marL="0" indent="0">
+              <a:buNone/>
+            </a:pPr>
+            <a:r>
+              <a:rPr lang="en-US" sz="1400" dirty="0">
+                <a:latin typeface="Courier"/>
+                <a:cs typeface="Courier"/>
+              </a:rPr>
+              <a:t>"</a:t>
+            </a:r>
+            <a:r>
+              <a:rPr lang="en-US" sz="1400" dirty="0" err="1">
+                <a:latin typeface="Courier"/>
+                <a:cs typeface="Courier"/>
+              </a:rPr>
+              <a:t>na.omit</a:t>
+            </a:r>
+            <a:r>
+              <a:rPr lang="en-US" sz="1400" dirty="0">
+                <a:latin typeface="Courier"/>
+                <a:cs typeface="Courier"/>
+              </a:rPr>
+              <a:t>" "</a:t>
+            </a:r>
+            <a:r>
+              <a:rPr lang="en-US" sz="1400" dirty="0" err="1">
+                <a:latin typeface="Courier"/>
+                <a:cs typeface="Courier"/>
+              </a:rPr>
+              <a:t>model.frame.default</a:t>
+            </a:r>
+            <a:r>
+              <a:rPr lang="en-US" sz="1400" dirty="0">
+                <a:latin typeface="Courier"/>
+                <a:cs typeface="Courier"/>
+              </a:rPr>
+              <a:t>" "</a:t>
+            </a:r>
+            <a:r>
+              <a:rPr lang="en-US" sz="1400" dirty="0" err="1">
+                <a:latin typeface="Courier"/>
+                <a:cs typeface="Courier"/>
+              </a:rPr>
+              <a:t>model.frame</a:t>
+            </a:r>
+            <a:r>
+              <a:rPr lang="en-US" sz="1400" dirty="0">
+                <a:latin typeface="Courier"/>
+                <a:cs typeface="Courier"/>
+              </a:rPr>
+              <a:t>" "</a:t>
+            </a:r>
+            <a:r>
+              <a:rPr lang="en-US" sz="1400" dirty="0" err="1">
+                <a:latin typeface="Courier"/>
+                <a:cs typeface="Courier"/>
+              </a:rPr>
+              <a:t>eval</a:t>
+            </a:r>
+            <a:r>
+              <a:rPr lang="en-US" sz="1400" dirty="0">
+                <a:latin typeface="Courier"/>
+                <a:cs typeface="Courier"/>
+              </a:rPr>
+              <a:t>" "</a:t>
+            </a:r>
+            <a:r>
+              <a:rPr lang="en-US" sz="1400" dirty="0" err="1">
+                <a:latin typeface="Courier"/>
+                <a:cs typeface="Courier"/>
+              </a:rPr>
+              <a:t>eval</a:t>
+            </a:r>
+            <a:r>
+              <a:rPr lang="en-US" sz="1400" dirty="0">
+                <a:latin typeface="Courier"/>
+                <a:cs typeface="Courier"/>
+              </a:rPr>
+              <a:t>" "lm" </a:t>
+            </a:r>
+          </a:p>
+          <a:p>
+            <a:pPr marL="0" indent="0">
+              <a:buNone/>
+            </a:pPr>
+            <a:r>
+              <a:rPr lang="en-US" sz="1400" dirty="0">
+                <a:latin typeface="Courier"/>
+                <a:cs typeface="Courier"/>
+              </a:rPr>
+              <a:t>"</a:t>
+            </a:r>
+            <a:r>
+              <a:rPr lang="en-US" sz="1400" dirty="0" err="1">
+                <a:latin typeface="Courier"/>
+                <a:cs typeface="Courier"/>
+              </a:rPr>
+              <a:t>na.omit</a:t>
+            </a:r>
+            <a:r>
+              <a:rPr lang="en-US" sz="1400" dirty="0">
+                <a:latin typeface="Courier"/>
+                <a:cs typeface="Courier"/>
+              </a:rPr>
+              <a:t>" "</a:t>
+            </a:r>
+            <a:r>
+              <a:rPr lang="en-US" sz="1400" dirty="0" err="1">
+                <a:latin typeface="Courier"/>
+                <a:cs typeface="Courier"/>
+              </a:rPr>
+              <a:t>model.frame.default</a:t>
+            </a:r>
+            <a:r>
+              <a:rPr lang="en-US" sz="1400" dirty="0">
+                <a:latin typeface="Courier"/>
+                <a:cs typeface="Courier"/>
+              </a:rPr>
+              <a:t>" "</a:t>
+            </a:r>
+            <a:r>
+              <a:rPr lang="en-US" sz="1400" dirty="0" err="1">
+                <a:latin typeface="Courier"/>
+                <a:cs typeface="Courier"/>
+              </a:rPr>
+              <a:t>model.frame</a:t>
+            </a:r>
+            <a:r>
+              <a:rPr lang="en-US" sz="1400" dirty="0">
+                <a:latin typeface="Courier"/>
+                <a:cs typeface="Courier"/>
+              </a:rPr>
+              <a:t>" "</a:t>
+            </a:r>
+            <a:r>
+              <a:rPr lang="en-US" sz="1400" dirty="0" err="1">
+                <a:latin typeface="Courier"/>
+                <a:cs typeface="Courier"/>
+              </a:rPr>
+              <a:t>eval</a:t>
+            </a:r>
+            <a:r>
+              <a:rPr lang="en-US" sz="1400" dirty="0">
+                <a:latin typeface="Courier"/>
+                <a:cs typeface="Courier"/>
+              </a:rPr>
+              <a:t>" "</a:t>
+            </a:r>
+            <a:r>
+              <a:rPr lang="en-US" sz="1400" dirty="0" err="1">
+                <a:latin typeface="Courier"/>
+                <a:cs typeface="Courier"/>
+              </a:rPr>
+              <a:t>eval</a:t>
+            </a:r>
+            <a:r>
+              <a:rPr lang="en-US" sz="1400" dirty="0">
+                <a:latin typeface="Courier"/>
+                <a:cs typeface="Courier"/>
+              </a:rPr>
+              <a:t>" "lm" </a:t>
+            </a:r>
+          </a:p>
+          <a:p>
+            <a:pPr marL="0" indent="0">
+              <a:buNone/>
+            </a:pPr>
+            <a:r>
+              <a:rPr lang="en-US" sz="1400" dirty="0">
+                <a:latin typeface="Courier"/>
+                <a:cs typeface="Courier"/>
+              </a:rPr>
+              <a:t>"</a:t>
+            </a:r>
+            <a:r>
+              <a:rPr lang="en-US" sz="1400" dirty="0" err="1">
+                <a:latin typeface="Courier"/>
+                <a:cs typeface="Courier"/>
+              </a:rPr>
+              <a:t>na.omit</a:t>
+            </a:r>
+            <a:r>
+              <a:rPr lang="en-US" sz="1400" dirty="0">
+                <a:latin typeface="Courier"/>
+                <a:cs typeface="Courier"/>
+              </a:rPr>
+              <a:t>" "</a:t>
+            </a:r>
+            <a:r>
+              <a:rPr lang="en-US" sz="1400" dirty="0" err="1">
+                <a:latin typeface="Courier"/>
+                <a:cs typeface="Courier"/>
+              </a:rPr>
+              <a:t>model.frame.default</a:t>
+            </a:r>
+            <a:r>
+              <a:rPr lang="en-US" sz="1400" dirty="0">
+                <a:latin typeface="Courier"/>
+                <a:cs typeface="Courier"/>
+              </a:rPr>
+              <a:t>" "</a:t>
+            </a:r>
+            <a:r>
+              <a:rPr lang="en-US" sz="1400" dirty="0" err="1">
+                <a:latin typeface="Courier"/>
+                <a:cs typeface="Courier"/>
+              </a:rPr>
+              <a:t>model.frame</a:t>
+            </a:r>
+            <a:r>
+              <a:rPr lang="en-US" sz="1400" dirty="0">
+                <a:latin typeface="Courier"/>
+                <a:cs typeface="Courier"/>
+              </a:rPr>
+              <a:t>" "</a:t>
+            </a:r>
+            <a:r>
+              <a:rPr lang="en-US" sz="1400" dirty="0" err="1">
+                <a:latin typeface="Courier"/>
+                <a:cs typeface="Courier"/>
+              </a:rPr>
+              <a:t>eval</a:t>
+            </a:r>
+            <a:r>
+              <a:rPr lang="en-US" sz="1400" dirty="0">
+                <a:latin typeface="Courier"/>
+                <a:cs typeface="Courier"/>
+              </a:rPr>
+              <a:t>" "</a:t>
+            </a:r>
+            <a:r>
+              <a:rPr lang="en-US" sz="1400" dirty="0" err="1">
+                <a:latin typeface="Courier"/>
+                <a:cs typeface="Courier"/>
+              </a:rPr>
+              <a:t>eval</a:t>
+            </a:r>
+            <a:r>
+              <a:rPr lang="en-US" sz="1400" dirty="0">
+                <a:latin typeface="Courier"/>
+                <a:cs typeface="Courier"/>
+              </a:rPr>
+              <a:t>" "lm" </a:t>
+            </a:r>
+          </a:p>
+          <a:p>
+            <a:pPr marL="0" indent="0">
+              <a:buNone/>
+            </a:pPr>
+            <a:r>
+              <a:rPr lang="en-US" sz="1400" dirty="0">
+                <a:latin typeface="Courier"/>
+                <a:cs typeface="Courier"/>
+              </a:rPr>
+              <a:t>"</a:t>
+            </a:r>
+            <a:r>
+              <a:rPr lang="en-US" sz="1400" dirty="0" err="1">
+                <a:latin typeface="Courier"/>
+                <a:cs typeface="Courier"/>
+              </a:rPr>
+              <a:t>lm.fit</a:t>
+            </a:r>
+            <a:r>
+              <a:rPr lang="en-US" sz="1400" dirty="0">
+                <a:latin typeface="Courier"/>
+                <a:cs typeface="Courier"/>
+              </a:rPr>
+              <a:t>" "lm" </a:t>
+            </a:r>
+          </a:p>
+          <a:p>
+            <a:pPr marL="0" indent="0">
+              <a:buNone/>
+            </a:pPr>
+            <a:r>
+              <a:rPr lang="en-US" sz="1400" dirty="0">
+                <a:latin typeface="Courier"/>
+                <a:cs typeface="Courier"/>
+              </a:rPr>
+              <a:t>"</a:t>
+            </a:r>
+            <a:r>
+              <a:rPr lang="en-US" sz="1400" dirty="0" err="1">
+                <a:latin typeface="Courier"/>
+                <a:cs typeface="Courier"/>
+              </a:rPr>
+              <a:t>lm.fit</a:t>
+            </a:r>
+            <a:r>
+              <a:rPr lang="en-US" sz="1400" dirty="0">
+                <a:latin typeface="Courier"/>
+                <a:cs typeface="Courier"/>
+              </a:rPr>
+              <a:t>" "lm" </a:t>
+            </a:r>
+          </a:p>
+          <a:p>
+            <a:pPr marL="0" indent="0">
+              <a:buNone/>
+            </a:pPr>
+            <a:r>
+              <a:rPr lang="en-US" sz="1400" dirty="0">
+                <a:latin typeface="Courier"/>
+                <a:cs typeface="Courier"/>
+              </a:rPr>
+              <a:t>"</a:t>
+            </a:r>
+            <a:r>
+              <a:rPr lang="en-US" sz="1400" dirty="0" err="1">
+                <a:latin typeface="Courier"/>
+                <a:cs typeface="Courier"/>
+              </a:rPr>
+              <a:t>lm.fit</a:t>
+            </a:r>
+            <a:r>
+              <a:rPr lang="en-US" sz="1400" dirty="0">
+                <a:latin typeface="Courier"/>
+                <a:cs typeface="Courier"/>
+              </a:rPr>
+              <a:t>" "lm" </a:t>
+            </a:r>
+          </a:p>
+          <a:p>
+            <a:pPr marL="0" indent="0">
+              <a:buNone/>
+            </a:pPr>
+            <a:r>
+              <a:rPr lang="en-US" sz="1400" dirty="0">
+                <a:latin typeface="Courier"/>
+                <a:cs typeface="Courier"/>
+              </a:rPr>
+              <a:t>"</a:t>
+            </a:r>
+            <a:r>
+              <a:rPr lang="en-US" sz="1400" dirty="0" err="1">
+                <a:latin typeface="Courier"/>
+                <a:cs typeface="Courier"/>
+              </a:rPr>
+              <a:t>lm.fit</a:t>
+            </a:r>
+            <a:r>
+              <a:rPr lang="en-US" sz="1400" dirty="0">
+                <a:latin typeface="Courier"/>
+                <a:cs typeface="Courier"/>
+              </a:rPr>
+              <a:t>" "lm" </a:t>
+            </a:r>
+          </a:p>
+          <a:p>
+            <a:pPr marL="0" indent="0">
+              <a:buNone/>
+            </a:pPr>
+            <a:r>
+              <a:rPr lang="en-US" sz="1400" dirty="0">
+                <a:latin typeface="Courier"/>
+                <a:cs typeface="Courier"/>
+              </a:rPr>
+              <a:t>"</a:t>
+            </a:r>
+            <a:r>
+              <a:rPr lang="en-US" sz="1400" dirty="0" err="1">
+                <a:latin typeface="Courier"/>
+                <a:cs typeface="Courier"/>
+              </a:rPr>
+              <a:t>lm.fit</a:t>
+            </a:r>
+            <a:r>
+              <a:rPr lang="en-US" sz="1400" dirty="0">
+                <a:latin typeface="Courier"/>
+                <a:cs typeface="Courier"/>
+              </a:rPr>
+              <a:t>" "lm" </a:t>
+            </a:r>
+          </a:p>
+          <a:p>
+            <a:pPr marL="0" indent="0">
+              <a:buNone/>
+            </a:pPr>
+            <a:r>
+              <a:rPr lang="en-US" sz="1400" dirty="0">
+                <a:latin typeface="Courier"/>
+                <a:cs typeface="Courier"/>
+              </a:rPr>
+              <a:t>"</a:t>
+            </a:r>
+            <a:r>
+              <a:rPr lang="en-US" sz="1400" dirty="0" err="1">
+                <a:latin typeface="Courier"/>
+                <a:cs typeface="Courier"/>
+              </a:rPr>
+              <a:t>lm.fit</a:t>
+            </a:r>
+            <a:r>
+              <a:rPr lang="en-US" sz="1400" dirty="0">
+                <a:latin typeface="Courier"/>
+                <a:cs typeface="Courier"/>
+              </a:rPr>
+              <a:t>" "lm" </a:t>
+            </a:r>
+          </a:p>
+          <a:p>
+            <a:pPr marL="0" indent="0">
+              <a:buNone/>
+            </a:pPr>
+            <a:endParaRPr lang="en-US" sz="1400" dirty="0">
+              <a:latin typeface="Courier"/>
+              <a:cs typeface="Courier"/>
+            </a:endParaRPr>
           </a:p>
         </p:txBody>
       </p:sp>
     </p:spTree>
     <p:extLst>
       <p:ext uri="{BB962C8B-B14F-4D97-AF65-F5344CB8AC3E}">
-        <p14:creationId xmlns:p14="http://schemas.microsoft.com/office/powerpoint/2010/main" val="2271310243"/>
+        <p14:creationId xmlns:p14="http://schemas.microsoft.com/office/powerpoint/2010/main" val="3027270277"/>
       </p:ext>
     </p:extLst>
   </p:cSld>
@@ -4333,8 +5477,12 @@
           <a:lstStyle/>
           <a:p>
             <a:r>
+              <a:rPr lang="en-US" dirty="0" err="1" smtClean="0"/>
+              <a:t>summaryRprof</a:t>
+            </a:r>
+            <a:r>
               <a:rPr lang="en-US" dirty="0" smtClean="0"/>
-              <a:t>R Profiler Output</a:t>
+              <a:t>()</a:t>
             </a:r>
             <a:endParaRPr lang="en-US" dirty="0"/>
           </a:p>
@@ -4353,1178 +5501,72 @@
         <p:spPr/>
         <p:txBody>
           <a:bodyPr>
-            <a:normAutofit fontScale="92500" lnSpcReduction="10000"/>
+            <a:normAutofit lnSpcReduction="10000"/>
           </a:bodyPr>
           <a:lstStyle/>
           <a:p>
-            <a:pPr marL="0" indent="0">
-              <a:buNone/>
-            </a:pPr>
-            <a:r>
-              <a:rPr lang="en-US" sz="1400" dirty="0" err="1">
-                <a:latin typeface="Courier"/>
-                <a:cs typeface="Courier"/>
-              </a:rPr>
-              <a:t>## lm(y ~ x)</a:t>
-            </a:r>
-          </a:p>
-          <a:p>
-            <a:pPr marL="0" indent="0">
-              <a:buNone/>
-            </a:pPr>
-            <a:endParaRPr lang="en-US" sz="1400" dirty="0" err="1">
-              <a:latin typeface="Courier"/>
-              <a:cs typeface="Courier"/>
-            </a:endParaRPr>
-          </a:p>
-          <a:p>
-            <a:pPr marL="0" indent="0">
-              <a:buNone/>
-            </a:pPr>
-            <a:r>
-              <a:rPr lang="en-US" sz="1400" dirty="0" err="1">
-                <a:latin typeface="Courier"/>
-                <a:cs typeface="Courier"/>
-              </a:rPr>
-              <a:t>sample.interval</a:t>
-            </a:r>
-            <a:r>
-              <a:rPr lang="en-US" sz="1400" dirty="0">
-                <a:latin typeface="Courier"/>
-                <a:cs typeface="Courier"/>
-              </a:rPr>
-              <a:t>=10000</a:t>
-            </a:r>
-          </a:p>
-          <a:p>
-            <a:pPr marL="0" indent="0">
-              <a:buNone/>
-            </a:pPr>
-            <a:r>
-              <a:rPr lang="en-US" sz="1400" dirty="0">
-                <a:latin typeface="Courier"/>
-                <a:cs typeface="Courier"/>
-              </a:rPr>
-              <a:t>"list" "</a:t>
-            </a:r>
-            <a:r>
-              <a:rPr lang="en-US" sz="1400" dirty="0" err="1">
-                <a:latin typeface="Courier"/>
-                <a:cs typeface="Courier"/>
-              </a:rPr>
-              <a:t>eval</a:t>
-            </a:r>
-            <a:r>
-              <a:rPr lang="en-US" sz="1400" dirty="0">
-                <a:latin typeface="Courier"/>
-                <a:cs typeface="Courier"/>
-              </a:rPr>
-              <a:t>" "</a:t>
-            </a:r>
-            <a:r>
-              <a:rPr lang="en-US" sz="1400" dirty="0" err="1">
-                <a:latin typeface="Courier"/>
-                <a:cs typeface="Courier"/>
-              </a:rPr>
-              <a:t>eval</a:t>
-            </a:r>
-            <a:r>
-              <a:rPr lang="en-US" sz="1400" dirty="0">
-                <a:latin typeface="Courier"/>
-                <a:cs typeface="Courier"/>
-              </a:rPr>
-              <a:t>" "</a:t>
-            </a:r>
-            <a:r>
-              <a:rPr lang="en-US" sz="1400" dirty="0" err="1">
-                <a:latin typeface="Courier"/>
-                <a:cs typeface="Courier"/>
-              </a:rPr>
-              <a:t>model.frame.default</a:t>
-            </a:r>
-            <a:r>
-              <a:rPr lang="en-US" sz="1400" dirty="0">
-                <a:latin typeface="Courier"/>
-                <a:cs typeface="Courier"/>
-              </a:rPr>
-              <a:t>" "</a:t>
-            </a:r>
-            <a:r>
-              <a:rPr lang="en-US" sz="1400" dirty="0" err="1">
-                <a:latin typeface="Courier"/>
-                <a:cs typeface="Courier"/>
-              </a:rPr>
-              <a:t>model.frame</a:t>
-            </a:r>
-            <a:r>
-              <a:rPr lang="en-US" sz="1400" dirty="0">
-                <a:latin typeface="Courier"/>
-                <a:cs typeface="Courier"/>
-              </a:rPr>
-              <a:t>" "</a:t>
-            </a:r>
-            <a:r>
-              <a:rPr lang="en-US" sz="1400" dirty="0" err="1">
-                <a:latin typeface="Courier"/>
-                <a:cs typeface="Courier"/>
-              </a:rPr>
-              <a:t>eval</a:t>
-            </a:r>
-            <a:r>
-              <a:rPr lang="en-US" sz="1400" dirty="0">
-                <a:latin typeface="Courier"/>
-                <a:cs typeface="Courier"/>
-              </a:rPr>
-              <a:t>" "</a:t>
-            </a:r>
-            <a:r>
-              <a:rPr lang="en-US" sz="1400" dirty="0" err="1">
-                <a:latin typeface="Courier"/>
-                <a:cs typeface="Courier"/>
-              </a:rPr>
-              <a:t>eval</a:t>
-            </a:r>
-            <a:r>
-              <a:rPr lang="en-US" sz="1400" dirty="0">
-                <a:latin typeface="Courier"/>
-                <a:cs typeface="Courier"/>
-              </a:rPr>
-              <a:t>" "lm" </a:t>
-            </a:r>
-          </a:p>
-          <a:p>
-            <a:pPr marL="0" indent="0">
-              <a:buNone/>
-            </a:pPr>
-            <a:r>
-              <a:rPr lang="en-US" sz="1400" dirty="0">
-                <a:latin typeface="Courier"/>
-                <a:cs typeface="Courier"/>
-              </a:rPr>
-              <a:t>"list" "</a:t>
-            </a:r>
-            <a:r>
-              <a:rPr lang="en-US" sz="1400" dirty="0" err="1">
-                <a:latin typeface="Courier"/>
-                <a:cs typeface="Courier"/>
-              </a:rPr>
-              <a:t>eval</a:t>
-            </a:r>
-            <a:r>
-              <a:rPr lang="en-US" sz="1400" dirty="0">
-                <a:latin typeface="Courier"/>
-                <a:cs typeface="Courier"/>
-              </a:rPr>
-              <a:t>" "</a:t>
-            </a:r>
-            <a:r>
-              <a:rPr lang="en-US" sz="1400" dirty="0" err="1">
-                <a:latin typeface="Courier"/>
-                <a:cs typeface="Courier"/>
-              </a:rPr>
-              <a:t>eval</a:t>
-            </a:r>
-            <a:r>
-              <a:rPr lang="en-US" sz="1400" dirty="0">
-                <a:latin typeface="Courier"/>
-                <a:cs typeface="Courier"/>
-              </a:rPr>
-              <a:t>" "</a:t>
-            </a:r>
-            <a:r>
-              <a:rPr lang="en-US" sz="1400" dirty="0" err="1">
-                <a:latin typeface="Courier"/>
-                <a:cs typeface="Courier"/>
-              </a:rPr>
-              <a:t>model.frame.default</a:t>
-            </a:r>
-            <a:r>
-              <a:rPr lang="en-US" sz="1400" dirty="0">
-                <a:latin typeface="Courier"/>
-                <a:cs typeface="Courier"/>
-              </a:rPr>
-              <a:t>" "</a:t>
-            </a:r>
-            <a:r>
-              <a:rPr lang="en-US" sz="1400" dirty="0" err="1">
-                <a:latin typeface="Courier"/>
-                <a:cs typeface="Courier"/>
-              </a:rPr>
-              <a:t>model.frame</a:t>
-            </a:r>
-            <a:r>
-              <a:rPr lang="en-US" sz="1400" dirty="0">
-                <a:latin typeface="Courier"/>
-                <a:cs typeface="Courier"/>
-              </a:rPr>
-              <a:t>" "</a:t>
-            </a:r>
-            <a:r>
-              <a:rPr lang="en-US" sz="1400" dirty="0" err="1">
-                <a:latin typeface="Courier"/>
-                <a:cs typeface="Courier"/>
-              </a:rPr>
-              <a:t>eval</a:t>
-            </a:r>
-            <a:r>
-              <a:rPr lang="en-US" sz="1400" dirty="0">
-                <a:latin typeface="Courier"/>
-                <a:cs typeface="Courier"/>
-              </a:rPr>
-              <a:t>" "</a:t>
-            </a:r>
-            <a:r>
-              <a:rPr lang="en-US" sz="1400" dirty="0" err="1">
-                <a:latin typeface="Courier"/>
-                <a:cs typeface="Courier"/>
-              </a:rPr>
-              <a:t>eval</a:t>
-            </a:r>
-            <a:r>
-              <a:rPr lang="en-US" sz="1400" dirty="0">
-                <a:latin typeface="Courier"/>
-                <a:cs typeface="Courier"/>
-              </a:rPr>
-              <a:t>" "lm" </a:t>
-            </a:r>
-          </a:p>
-          <a:p>
-            <a:pPr marL="0" indent="0">
-              <a:buNone/>
-            </a:pPr>
-            <a:r>
-              <a:rPr lang="en-US" sz="1400" dirty="0">
-                <a:latin typeface="Courier"/>
-                <a:cs typeface="Courier"/>
-              </a:rPr>
-              <a:t>"list" "</a:t>
-            </a:r>
-            <a:r>
-              <a:rPr lang="en-US" sz="1400" dirty="0" err="1">
-                <a:latin typeface="Courier"/>
-                <a:cs typeface="Courier"/>
-              </a:rPr>
-              <a:t>eval</a:t>
-            </a:r>
-            <a:r>
-              <a:rPr lang="en-US" sz="1400" dirty="0">
-                <a:latin typeface="Courier"/>
-                <a:cs typeface="Courier"/>
-              </a:rPr>
-              <a:t>" "</a:t>
-            </a:r>
-            <a:r>
-              <a:rPr lang="en-US" sz="1400" dirty="0" err="1">
-                <a:latin typeface="Courier"/>
-                <a:cs typeface="Courier"/>
-              </a:rPr>
-              <a:t>eval</a:t>
-            </a:r>
-            <a:r>
-              <a:rPr lang="en-US" sz="1400" dirty="0">
-                <a:latin typeface="Courier"/>
-                <a:cs typeface="Courier"/>
-              </a:rPr>
-              <a:t>" "</a:t>
-            </a:r>
-            <a:r>
-              <a:rPr lang="en-US" sz="1400" dirty="0" err="1">
-                <a:latin typeface="Courier"/>
-                <a:cs typeface="Courier"/>
-              </a:rPr>
-              <a:t>model.frame.default</a:t>
-            </a:r>
-            <a:r>
-              <a:rPr lang="en-US" sz="1400" dirty="0">
-                <a:latin typeface="Courier"/>
-                <a:cs typeface="Courier"/>
-              </a:rPr>
-              <a:t>" "</a:t>
-            </a:r>
-            <a:r>
-              <a:rPr lang="en-US" sz="1400" dirty="0" err="1">
-                <a:latin typeface="Courier"/>
-                <a:cs typeface="Courier"/>
-              </a:rPr>
-              <a:t>model.frame</a:t>
-            </a:r>
-            <a:r>
-              <a:rPr lang="en-US" sz="1400" dirty="0">
-                <a:latin typeface="Courier"/>
-                <a:cs typeface="Courier"/>
-              </a:rPr>
-              <a:t>" "</a:t>
-            </a:r>
-            <a:r>
-              <a:rPr lang="en-US" sz="1400" dirty="0" err="1">
-                <a:latin typeface="Courier"/>
-                <a:cs typeface="Courier"/>
-              </a:rPr>
-              <a:t>eval</a:t>
-            </a:r>
-            <a:r>
-              <a:rPr lang="en-US" sz="1400" dirty="0">
-                <a:latin typeface="Courier"/>
-                <a:cs typeface="Courier"/>
-              </a:rPr>
-              <a:t>" "</a:t>
-            </a:r>
-            <a:r>
-              <a:rPr lang="en-US" sz="1400" dirty="0" err="1">
-                <a:latin typeface="Courier"/>
-                <a:cs typeface="Courier"/>
-              </a:rPr>
-              <a:t>eval</a:t>
-            </a:r>
-            <a:r>
-              <a:rPr lang="en-US" sz="1400" dirty="0">
-                <a:latin typeface="Courier"/>
-                <a:cs typeface="Courier"/>
-              </a:rPr>
-              <a:t>" "lm" </a:t>
-            </a:r>
-          </a:p>
-          <a:p>
-            <a:pPr marL="0" indent="0">
-              <a:buNone/>
-            </a:pPr>
-            <a:r>
-              <a:rPr lang="en-US" sz="1400" dirty="0">
-                <a:latin typeface="Courier"/>
-                <a:cs typeface="Courier"/>
-              </a:rPr>
-              <a:t>"list" "</a:t>
-            </a:r>
-            <a:r>
-              <a:rPr lang="en-US" sz="1400" dirty="0" err="1">
-                <a:latin typeface="Courier"/>
-                <a:cs typeface="Courier"/>
-              </a:rPr>
-              <a:t>eval</a:t>
-            </a:r>
-            <a:r>
-              <a:rPr lang="en-US" sz="1400" dirty="0">
-                <a:latin typeface="Courier"/>
-                <a:cs typeface="Courier"/>
-              </a:rPr>
-              <a:t>" "</a:t>
-            </a:r>
-            <a:r>
-              <a:rPr lang="en-US" sz="1400" dirty="0" err="1">
-                <a:latin typeface="Courier"/>
-                <a:cs typeface="Courier"/>
-              </a:rPr>
-              <a:t>eval</a:t>
-            </a:r>
-            <a:r>
-              <a:rPr lang="en-US" sz="1400" dirty="0">
-                <a:latin typeface="Courier"/>
-                <a:cs typeface="Courier"/>
-              </a:rPr>
-              <a:t>" "</a:t>
-            </a:r>
-            <a:r>
-              <a:rPr lang="en-US" sz="1400" dirty="0" err="1">
-                <a:latin typeface="Courier"/>
-                <a:cs typeface="Courier"/>
-              </a:rPr>
-              <a:t>model.frame.default</a:t>
-            </a:r>
-            <a:r>
-              <a:rPr lang="en-US" sz="1400" dirty="0">
-                <a:latin typeface="Courier"/>
-                <a:cs typeface="Courier"/>
-              </a:rPr>
-              <a:t>" "</a:t>
-            </a:r>
-            <a:r>
-              <a:rPr lang="en-US" sz="1400" dirty="0" err="1">
-                <a:latin typeface="Courier"/>
-                <a:cs typeface="Courier"/>
-              </a:rPr>
-              <a:t>model.frame</a:t>
-            </a:r>
-            <a:r>
-              <a:rPr lang="en-US" sz="1400" dirty="0">
-                <a:latin typeface="Courier"/>
-                <a:cs typeface="Courier"/>
-              </a:rPr>
-              <a:t>" "</a:t>
-            </a:r>
-            <a:r>
-              <a:rPr lang="en-US" sz="1400" dirty="0" err="1">
-                <a:latin typeface="Courier"/>
-                <a:cs typeface="Courier"/>
-              </a:rPr>
-              <a:t>eval</a:t>
-            </a:r>
-            <a:r>
-              <a:rPr lang="en-US" sz="1400" dirty="0">
-                <a:latin typeface="Courier"/>
-                <a:cs typeface="Courier"/>
-              </a:rPr>
-              <a:t>" "</a:t>
-            </a:r>
-            <a:r>
-              <a:rPr lang="en-US" sz="1400" dirty="0" err="1">
-                <a:latin typeface="Courier"/>
-                <a:cs typeface="Courier"/>
-              </a:rPr>
-              <a:t>eval</a:t>
-            </a:r>
-            <a:r>
-              <a:rPr lang="en-US" sz="1400" dirty="0">
-                <a:latin typeface="Courier"/>
-                <a:cs typeface="Courier"/>
-              </a:rPr>
-              <a:t>" "lm" </a:t>
-            </a:r>
-          </a:p>
-          <a:p>
-            <a:pPr marL="0" indent="0">
-              <a:buNone/>
-            </a:pPr>
-            <a:r>
-              <a:rPr lang="en-US" sz="1400" dirty="0">
-                <a:latin typeface="Courier"/>
-                <a:cs typeface="Courier"/>
-              </a:rPr>
-              <a:t>"</a:t>
-            </a:r>
-            <a:r>
-              <a:rPr lang="en-US" sz="1400" dirty="0" err="1">
-                <a:latin typeface="Courier"/>
-                <a:cs typeface="Courier"/>
-              </a:rPr>
-              <a:t>na.omit</a:t>
-            </a:r>
-            <a:r>
-              <a:rPr lang="en-US" sz="1400" dirty="0">
-                <a:latin typeface="Courier"/>
-                <a:cs typeface="Courier"/>
-              </a:rPr>
-              <a:t>" "</a:t>
-            </a:r>
-            <a:r>
-              <a:rPr lang="en-US" sz="1400" dirty="0" err="1">
-                <a:latin typeface="Courier"/>
-                <a:cs typeface="Courier"/>
-              </a:rPr>
-              <a:t>model.frame.default</a:t>
-            </a:r>
-            <a:r>
-              <a:rPr lang="en-US" sz="1400" dirty="0">
-                <a:latin typeface="Courier"/>
-                <a:cs typeface="Courier"/>
-              </a:rPr>
-              <a:t>" "</a:t>
-            </a:r>
-            <a:r>
-              <a:rPr lang="en-US" sz="1400" dirty="0" err="1">
-                <a:latin typeface="Courier"/>
-                <a:cs typeface="Courier"/>
-              </a:rPr>
-              <a:t>model.frame</a:t>
-            </a:r>
-            <a:r>
-              <a:rPr lang="en-US" sz="1400" dirty="0">
-                <a:latin typeface="Courier"/>
-                <a:cs typeface="Courier"/>
-              </a:rPr>
-              <a:t>" "</a:t>
-            </a:r>
-            <a:r>
-              <a:rPr lang="en-US" sz="1400" dirty="0" err="1">
-                <a:latin typeface="Courier"/>
-                <a:cs typeface="Courier"/>
-              </a:rPr>
-              <a:t>eval</a:t>
-            </a:r>
-            <a:r>
-              <a:rPr lang="en-US" sz="1400" dirty="0">
-                <a:latin typeface="Courier"/>
-                <a:cs typeface="Courier"/>
-              </a:rPr>
-              <a:t>" "</a:t>
-            </a:r>
-            <a:r>
-              <a:rPr lang="en-US" sz="1400" dirty="0" err="1">
-                <a:latin typeface="Courier"/>
-                <a:cs typeface="Courier"/>
-              </a:rPr>
-              <a:t>eval</a:t>
-            </a:r>
-            <a:r>
-              <a:rPr lang="en-US" sz="1400" dirty="0">
-                <a:latin typeface="Courier"/>
-                <a:cs typeface="Courier"/>
-              </a:rPr>
-              <a:t>" "lm" </a:t>
-            </a:r>
-          </a:p>
-          <a:p>
-            <a:pPr marL="0" indent="0">
-              <a:buNone/>
-            </a:pPr>
-            <a:r>
-              <a:rPr lang="en-US" sz="1400" dirty="0">
-                <a:latin typeface="Courier"/>
-                <a:cs typeface="Courier"/>
-              </a:rPr>
-              <a:t>"</a:t>
-            </a:r>
-            <a:r>
-              <a:rPr lang="en-US" sz="1400" dirty="0" err="1">
-                <a:latin typeface="Courier"/>
-                <a:cs typeface="Courier"/>
-              </a:rPr>
-              <a:t>na.omit</a:t>
-            </a:r>
-            <a:r>
-              <a:rPr lang="en-US" sz="1400" dirty="0">
-                <a:latin typeface="Courier"/>
-                <a:cs typeface="Courier"/>
-              </a:rPr>
-              <a:t>" "</a:t>
-            </a:r>
-            <a:r>
-              <a:rPr lang="en-US" sz="1400" dirty="0" err="1">
-                <a:latin typeface="Courier"/>
-                <a:cs typeface="Courier"/>
-              </a:rPr>
-              <a:t>model.frame.default</a:t>
-            </a:r>
-            <a:r>
-              <a:rPr lang="en-US" sz="1400" dirty="0">
-                <a:latin typeface="Courier"/>
-                <a:cs typeface="Courier"/>
-              </a:rPr>
-              <a:t>" "</a:t>
-            </a:r>
-            <a:r>
-              <a:rPr lang="en-US" sz="1400" dirty="0" err="1">
-                <a:latin typeface="Courier"/>
-                <a:cs typeface="Courier"/>
-              </a:rPr>
-              <a:t>model.frame</a:t>
-            </a:r>
-            <a:r>
-              <a:rPr lang="en-US" sz="1400" dirty="0">
-                <a:latin typeface="Courier"/>
-                <a:cs typeface="Courier"/>
-              </a:rPr>
-              <a:t>" "</a:t>
-            </a:r>
-            <a:r>
-              <a:rPr lang="en-US" sz="1400" dirty="0" err="1">
-                <a:latin typeface="Courier"/>
-                <a:cs typeface="Courier"/>
-              </a:rPr>
-              <a:t>eval</a:t>
-            </a:r>
-            <a:r>
-              <a:rPr lang="en-US" sz="1400" dirty="0">
-                <a:latin typeface="Courier"/>
-                <a:cs typeface="Courier"/>
-              </a:rPr>
-              <a:t>" "</a:t>
-            </a:r>
-            <a:r>
-              <a:rPr lang="en-US" sz="1400" dirty="0" err="1">
-                <a:latin typeface="Courier"/>
-                <a:cs typeface="Courier"/>
-              </a:rPr>
-              <a:t>eval</a:t>
-            </a:r>
-            <a:r>
-              <a:rPr lang="en-US" sz="1400" dirty="0">
-                <a:latin typeface="Courier"/>
-                <a:cs typeface="Courier"/>
-              </a:rPr>
-              <a:t>" "lm" </a:t>
-            </a:r>
-          </a:p>
-          <a:p>
-            <a:pPr marL="0" indent="0">
-              <a:buNone/>
-            </a:pPr>
-            <a:r>
-              <a:rPr lang="en-US" sz="1400" dirty="0">
-                <a:latin typeface="Courier"/>
-                <a:cs typeface="Courier"/>
-              </a:rPr>
-              <a:t>"</a:t>
-            </a:r>
-            <a:r>
-              <a:rPr lang="en-US" sz="1400" dirty="0" err="1">
-                <a:latin typeface="Courier"/>
-                <a:cs typeface="Courier"/>
-              </a:rPr>
-              <a:t>na.omit</a:t>
-            </a:r>
-            <a:r>
-              <a:rPr lang="en-US" sz="1400" dirty="0">
-                <a:latin typeface="Courier"/>
-                <a:cs typeface="Courier"/>
-              </a:rPr>
-              <a:t>" "</a:t>
-            </a:r>
-            <a:r>
-              <a:rPr lang="en-US" sz="1400" dirty="0" err="1">
-                <a:latin typeface="Courier"/>
-                <a:cs typeface="Courier"/>
-              </a:rPr>
-              <a:t>model.frame.default</a:t>
-            </a:r>
-            <a:r>
-              <a:rPr lang="en-US" sz="1400" dirty="0">
-                <a:latin typeface="Courier"/>
-                <a:cs typeface="Courier"/>
-              </a:rPr>
-              <a:t>" "</a:t>
-            </a:r>
-            <a:r>
-              <a:rPr lang="en-US" sz="1400" dirty="0" err="1">
-                <a:latin typeface="Courier"/>
-                <a:cs typeface="Courier"/>
-              </a:rPr>
-              <a:t>model.frame</a:t>
-            </a:r>
-            <a:r>
-              <a:rPr lang="en-US" sz="1400" dirty="0">
-                <a:latin typeface="Courier"/>
-                <a:cs typeface="Courier"/>
-              </a:rPr>
-              <a:t>" "</a:t>
-            </a:r>
-            <a:r>
-              <a:rPr lang="en-US" sz="1400" dirty="0" err="1">
-                <a:latin typeface="Courier"/>
-                <a:cs typeface="Courier"/>
-              </a:rPr>
-              <a:t>eval</a:t>
-            </a:r>
-            <a:r>
-              <a:rPr lang="en-US" sz="1400" dirty="0">
-                <a:latin typeface="Courier"/>
-                <a:cs typeface="Courier"/>
-              </a:rPr>
-              <a:t>" "</a:t>
-            </a:r>
-            <a:r>
-              <a:rPr lang="en-US" sz="1400" dirty="0" err="1">
-                <a:latin typeface="Courier"/>
-                <a:cs typeface="Courier"/>
-              </a:rPr>
-              <a:t>eval</a:t>
-            </a:r>
-            <a:r>
-              <a:rPr lang="en-US" sz="1400" dirty="0">
-                <a:latin typeface="Courier"/>
-                <a:cs typeface="Courier"/>
-              </a:rPr>
-              <a:t>" "lm" </a:t>
-            </a:r>
-          </a:p>
-          <a:p>
-            <a:pPr marL="0" indent="0">
-              <a:buNone/>
-            </a:pPr>
-            <a:r>
-              <a:rPr lang="en-US" sz="1400" dirty="0">
-                <a:latin typeface="Courier"/>
-                <a:cs typeface="Courier"/>
-              </a:rPr>
-              <a:t>"</a:t>
-            </a:r>
-            <a:r>
-              <a:rPr lang="en-US" sz="1400" dirty="0" err="1">
-                <a:latin typeface="Courier"/>
-                <a:cs typeface="Courier"/>
-              </a:rPr>
-              <a:t>na.omit</a:t>
-            </a:r>
-            <a:r>
-              <a:rPr lang="en-US" sz="1400" dirty="0">
-                <a:latin typeface="Courier"/>
-                <a:cs typeface="Courier"/>
-              </a:rPr>
-              <a:t>" "</a:t>
-            </a:r>
-            <a:r>
-              <a:rPr lang="en-US" sz="1400" dirty="0" err="1">
-                <a:latin typeface="Courier"/>
-                <a:cs typeface="Courier"/>
-              </a:rPr>
-              <a:t>model.frame.default</a:t>
-            </a:r>
-            <a:r>
-              <a:rPr lang="en-US" sz="1400" dirty="0">
-                <a:latin typeface="Courier"/>
-                <a:cs typeface="Courier"/>
-              </a:rPr>
-              <a:t>" "</a:t>
-            </a:r>
-            <a:r>
-              <a:rPr lang="en-US" sz="1400" dirty="0" err="1">
-                <a:latin typeface="Courier"/>
-                <a:cs typeface="Courier"/>
-              </a:rPr>
-              <a:t>model.frame</a:t>
-            </a:r>
-            <a:r>
-              <a:rPr lang="en-US" sz="1400" dirty="0">
-                <a:latin typeface="Courier"/>
-                <a:cs typeface="Courier"/>
-              </a:rPr>
-              <a:t>" "</a:t>
-            </a:r>
-            <a:r>
-              <a:rPr lang="en-US" sz="1400" dirty="0" err="1">
-                <a:latin typeface="Courier"/>
-                <a:cs typeface="Courier"/>
-              </a:rPr>
-              <a:t>eval</a:t>
-            </a:r>
-            <a:r>
-              <a:rPr lang="en-US" sz="1400" dirty="0">
-                <a:latin typeface="Courier"/>
-                <a:cs typeface="Courier"/>
-              </a:rPr>
-              <a:t>" "</a:t>
-            </a:r>
-            <a:r>
-              <a:rPr lang="en-US" sz="1400" dirty="0" err="1">
-                <a:latin typeface="Courier"/>
-                <a:cs typeface="Courier"/>
-              </a:rPr>
-              <a:t>eval</a:t>
-            </a:r>
-            <a:r>
-              <a:rPr lang="en-US" sz="1400" dirty="0">
-                <a:latin typeface="Courier"/>
-                <a:cs typeface="Courier"/>
-              </a:rPr>
-              <a:t>" "lm" </a:t>
-            </a:r>
-          </a:p>
-          <a:p>
-            <a:pPr marL="0" indent="0">
-              <a:buNone/>
-            </a:pPr>
-            <a:r>
-              <a:rPr lang="en-US" sz="1400" dirty="0">
-                <a:latin typeface="Courier"/>
-                <a:cs typeface="Courier"/>
-              </a:rPr>
-              <a:t>"</a:t>
-            </a:r>
-            <a:r>
-              <a:rPr lang="en-US" sz="1400" dirty="0" err="1">
-                <a:latin typeface="Courier"/>
-                <a:cs typeface="Courier"/>
-              </a:rPr>
-              <a:t>na.omit</a:t>
-            </a:r>
-            <a:r>
-              <a:rPr lang="en-US" sz="1400" dirty="0">
-                <a:latin typeface="Courier"/>
-                <a:cs typeface="Courier"/>
-              </a:rPr>
-              <a:t>" "</a:t>
-            </a:r>
-            <a:r>
-              <a:rPr lang="en-US" sz="1400" dirty="0" err="1">
-                <a:latin typeface="Courier"/>
-                <a:cs typeface="Courier"/>
-              </a:rPr>
-              <a:t>model.frame.default</a:t>
-            </a:r>
-            <a:r>
-              <a:rPr lang="en-US" sz="1400" dirty="0">
-                <a:latin typeface="Courier"/>
-                <a:cs typeface="Courier"/>
-              </a:rPr>
-              <a:t>" "</a:t>
-            </a:r>
-            <a:r>
-              <a:rPr lang="en-US" sz="1400" dirty="0" err="1">
-                <a:latin typeface="Courier"/>
-                <a:cs typeface="Courier"/>
-              </a:rPr>
-              <a:t>model.frame</a:t>
-            </a:r>
-            <a:r>
-              <a:rPr lang="en-US" sz="1400" dirty="0">
-                <a:latin typeface="Courier"/>
-                <a:cs typeface="Courier"/>
-              </a:rPr>
-              <a:t>" "</a:t>
-            </a:r>
-            <a:r>
-              <a:rPr lang="en-US" sz="1400" dirty="0" err="1">
-                <a:latin typeface="Courier"/>
-                <a:cs typeface="Courier"/>
-              </a:rPr>
-              <a:t>eval</a:t>
-            </a:r>
-            <a:r>
-              <a:rPr lang="en-US" sz="1400" dirty="0">
-                <a:latin typeface="Courier"/>
-                <a:cs typeface="Courier"/>
-              </a:rPr>
-              <a:t>" "</a:t>
-            </a:r>
-            <a:r>
-              <a:rPr lang="en-US" sz="1400" dirty="0" err="1">
-                <a:latin typeface="Courier"/>
-                <a:cs typeface="Courier"/>
-              </a:rPr>
-              <a:t>eval</a:t>
-            </a:r>
-            <a:r>
-              <a:rPr lang="en-US" sz="1400" dirty="0">
-                <a:latin typeface="Courier"/>
-                <a:cs typeface="Courier"/>
-              </a:rPr>
-              <a:t>" "lm" </a:t>
-            </a:r>
-          </a:p>
-          <a:p>
-            <a:pPr marL="0" indent="0">
-              <a:buNone/>
-            </a:pPr>
-            <a:r>
-              <a:rPr lang="en-US" sz="1400" dirty="0">
-                <a:latin typeface="Courier"/>
-                <a:cs typeface="Courier"/>
-              </a:rPr>
-              <a:t>"</a:t>
-            </a:r>
-            <a:r>
-              <a:rPr lang="en-US" sz="1400" dirty="0" err="1">
-                <a:latin typeface="Courier"/>
-                <a:cs typeface="Courier"/>
-              </a:rPr>
-              <a:t>na.omit</a:t>
-            </a:r>
-            <a:r>
-              <a:rPr lang="en-US" sz="1400" dirty="0">
-                <a:latin typeface="Courier"/>
-                <a:cs typeface="Courier"/>
-              </a:rPr>
-              <a:t>" "</a:t>
-            </a:r>
-            <a:r>
-              <a:rPr lang="en-US" sz="1400" dirty="0" err="1">
-                <a:latin typeface="Courier"/>
-                <a:cs typeface="Courier"/>
-              </a:rPr>
-              <a:t>model.frame.default</a:t>
-            </a:r>
-            <a:r>
-              <a:rPr lang="en-US" sz="1400" dirty="0">
-                <a:latin typeface="Courier"/>
-                <a:cs typeface="Courier"/>
-              </a:rPr>
-              <a:t>" "</a:t>
-            </a:r>
-            <a:r>
-              <a:rPr lang="en-US" sz="1400" dirty="0" err="1">
-                <a:latin typeface="Courier"/>
-                <a:cs typeface="Courier"/>
-              </a:rPr>
-              <a:t>model.frame</a:t>
-            </a:r>
-            <a:r>
-              <a:rPr lang="en-US" sz="1400" dirty="0">
-                <a:latin typeface="Courier"/>
-                <a:cs typeface="Courier"/>
-              </a:rPr>
-              <a:t>" "</a:t>
-            </a:r>
-            <a:r>
-              <a:rPr lang="en-US" sz="1400" dirty="0" err="1">
-                <a:latin typeface="Courier"/>
-                <a:cs typeface="Courier"/>
-              </a:rPr>
-              <a:t>eval</a:t>
-            </a:r>
-            <a:r>
-              <a:rPr lang="en-US" sz="1400" dirty="0">
-                <a:latin typeface="Courier"/>
-                <a:cs typeface="Courier"/>
-              </a:rPr>
-              <a:t>" "</a:t>
-            </a:r>
-            <a:r>
-              <a:rPr lang="en-US" sz="1400" dirty="0" err="1">
-                <a:latin typeface="Courier"/>
-                <a:cs typeface="Courier"/>
-              </a:rPr>
-              <a:t>eval</a:t>
-            </a:r>
-            <a:r>
-              <a:rPr lang="en-US" sz="1400" dirty="0">
-                <a:latin typeface="Courier"/>
-                <a:cs typeface="Courier"/>
-              </a:rPr>
-              <a:t>" "lm" </a:t>
-            </a:r>
-          </a:p>
-          <a:p>
-            <a:pPr marL="0" indent="0">
-              <a:buNone/>
-            </a:pPr>
-            <a:r>
-              <a:rPr lang="en-US" sz="1400" dirty="0">
-                <a:latin typeface="Courier"/>
-                <a:cs typeface="Courier"/>
-              </a:rPr>
-              <a:t>"</a:t>
-            </a:r>
-            <a:r>
-              <a:rPr lang="en-US" sz="1400" dirty="0" err="1">
-                <a:latin typeface="Courier"/>
-                <a:cs typeface="Courier"/>
-              </a:rPr>
-              <a:t>na.omit</a:t>
-            </a:r>
-            <a:r>
-              <a:rPr lang="en-US" sz="1400" dirty="0">
-                <a:latin typeface="Courier"/>
-                <a:cs typeface="Courier"/>
-              </a:rPr>
-              <a:t>" "</a:t>
-            </a:r>
-            <a:r>
-              <a:rPr lang="en-US" sz="1400" dirty="0" err="1">
-                <a:latin typeface="Courier"/>
-                <a:cs typeface="Courier"/>
-              </a:rPr>
-              <a:t>model.frame.default</a:t>
-            </a:r>
-            <a:r>
-              <a:rPr lang="en-US" sz="1400" dirty="0">
-                <a:latin typeface="Courier"/>
-                <a:cs typeface="Courier"/>
-              </a:rPr>
-              <a:t>" "</a:t>
-            </a:r>
-            <a:r>
-              <a:rPr lang="en-US" sz="1400" dirty="0" err="1">
-                <a:latin typeface="Courier"/>
-                <a:cs typeface="Courier"/>
-              </a:rPr>
-              <a:t>model.frame</a:t>
-            </a:r>
-            <a:r>
-              <a:rPr lang="en-US" sz="1400" dirty="0">
-                <a:latin typeface="Courier"/>
-                <a:cs typeface="Courier"/>
-              </a:rPr>
-              <a:t>" "</a:t>
-            </a:r>
-            <a:r>
-              <a:rPr lang="en-US" sz="1400" dirty="0" err="1">
-                <a:latin typeface="Courier"/>
-                <a:cs typeface="Courier"/>
-              </a:rPr>
-              <a:t>eval</a:t>
-            </a:r>
-            <a:r>
-              <a:rPr lang="en-US" sz="1400" dirty="0">
-                <a:latin typeface="Courier"/>
-                <a:cs typeface="Courier"/>
-              </a:rPr>
-              <a:t>" "</a:t>
-            </a:r>
-            <a:r>
-              <a:rPr lang="en-US" sz="1400" dirty="0" err="1">
-                <a:latin typeface="Courier"/>
-                <a:cs typeface="Courier"/>
-              </a:rPr>
-              <a:t>eval</a:t>
-            </a:r>
-            <a:r>
-              <a:rPr lang="en-US" sz="1400" dirty="0">
-                <a:latin typeface="Courier"/>
-                <a:cs typeface="Courier"/>
-              </a:rPr>
-              <a:t>" "lm" </a:t>
-            </a:r>
-          </a:p>
-          <a:p>
-            <a:pPr marL="0" indent="0">
-              <a:buNone/>
-            </a:pPr>
-            <a:r>
-              <a:rPr lang="en-US" sz="1400" dirty="0">
-                <a:latin typeface="Courier"/>
-                <a:cs typeface="Courier"/>
-              </a:rPr>
-              <a:t>"</a:t>
-            </a:r>
-            <a:r>
-              <a:rPr lang="en-US" sz="1400" dirty="0" err="1">
-                <a:latin typeface="Courier"/>
-                <a:cs typeface="Courier"/>
-              </a:rPr>
-              <a:t>lm.fit</a:t>
-            </a:r>
-            <a:r>
-              <a:rPr lang="en-US" sz="1400" dirty="0">
-                <a:latin typeface="Courier"/>
-                <a:cs typeface="Courier"/>
-              </a:rPr>
-              <a:t>" "lm" </a:t>
-            </a:r>
-          </a:p>
-          <a:p>
-            <a:pPr marL="0" indent="0">
-              <a:buNone/>
-            </a:pPr>
-            <a:r>
-              <a:rPr lang="en-US" sz="1400" dirty="0">
-                <a:latin typeface="Courier"/>
-                <a:cs typeface="Courier"/>
-              </a:rPr>
-              <a:t>"</a:t>
-            </a:r>
-            <a:r>
-              <a:rPr lang="en-US" sz="1400" dirty="0" err="1">
-                <a:latin typeface="Courier"/>
-                <a:cs typeface="Courier"/>
-              </a:rPr>
-              <a:t>lm.fit</a:t>
-            </a:r>
-            <a:r>
-              <a:rPr lang="en-US" sz="1400" dirty="0">
-                <a:latin typeface="Courier"/>
-                <a:cs typeface="Courier"/>
-              </a:rPr>
-              <a:t>" "lm" </a:t>
-            </a:r>
-          </a:p>
-          <a:p>
-            <a:pPr marL="0" indent="0">
-              <a:buNone/>
-            </a:pPr>
-            <a:r>
-              <a:rPr lang="en-US" sz="1400" dirty="0">
-                <a:latin typeface="Courier"/>
-                <a:cs typeface="Courier"/>
-              </a:rPr>
-              <a:t>"</a:t>
-            </a:r>
-            <a:r>
-              <a:rPr lang="en-US" sz="1400" dirty="0" err="1">
-                <a:latin typeface="Courier"/>
-                <a:cs typeface="Courier"/>
-              </a:rPr>
-              <a:t>lm.fit</a:t>
-            </a:r>
-            <a:r>
-              <a:rPr lang="en-US" sz="1400" dirty="0">
-                <a:latin typeface="Courier"/>
-                <a:cs typeface="Courier"/>
-              </a:rPr>
-              <a:t>" "lm" </a:t>
-            </a:r>
-          </a:p>
-          <a:p>
-            <a:pPr marL="0" indent="0">
-              <a:buNone/>
-            </a:pPr>
-            <a:r>
-              <a:rPr lang="en-US" sz="1400" dirty="0">
-                <a:latin typeface="Courier"/>
-                <a:cs typeface="Courier"/>
-              </a:rPr>
-              <a:t>"</a:t>
-            </a:r>
-            <a:r>
-              <a:rPr lang="en-US" sz="1400" dirty="0" err="1">
-                <a:latin typeface="Courier"/>
-                <a:cs typeface="Courier"/>
-              </a:rPr>
-              <a:t>lm.fit</a:t>
-            </a:r>
-            <a:r>
-              <a:rPr lang="en-US" sz="1400" dirty="0">
-                <a:latin typeface="Courier"/>
-                <a:cs typeface="Courier"/>
-              </a:rPr>
-              <a:t>" "lm" </a:t>
-            </a:r>
-          </a:p>
-          <a:p>
-            <a:pPr marL="0" indent="0">
-              <a:buNone/>
-            </a:pPr>
-            <a:r>
-              <a:rPr lang="en-US" sz="1400" dirty="0">
-                <a:latin typeface="Courier"/>
-                <a:cs typeface="Courier"/>
-              </a:rPr>
-              <a:t>"</a:t>
-            </a:r>
-            <a:r>
-              <a:rPr lang="en-US" sz="1400" dirty="0" err="1">
-                <a:latin typeface="Courier"/>
-                <a:cs typeface="Courier"/>
-              </a:rPr>
-              <a:t>lm.fit</a:t>
-            </a:r>
-            <a:r>
-              <a:rPr lang="en-US" sz="1400" dirty="0">
-                <a:latin typeface="Courier"/>
-                <a:cs typeface="Courier"/>
-              </a:rPr>
-              <a:t>" "lm" </a:t>
-            </a:r>
-          </a:p>
-          <a:p>
-            <a:pPr marL="0" indent="0">
-              <a:buNone/>
-            </a:pPr>
-            <a:r>
-              <a:rPr lang="en-US" sz="1400" dirty="0">
-                <a:latin typeface="Courier"/>
-                <a:cs typeface="Courier"/>
-              </a:rPr>
-              <a:t>"</a:t>
-            </a:r>
-            <a:r>
-              <a:rPr lang="en-US" sz="1400" dirty="0" err="1">
-                <a:latin typeface="Courier"/>
-                <a:cs typeface="Courier"/>
-              </a:rPr>
-              <a:t>lm.fit</a:t>
-            </a:r>
-            <a:r>
-              <a:rPr lang="en-US" sz="1400" dirty="0">
-                <a:latin typeface="Courier"/>
-                <a:cs typeface="Courier"/>
-              </a:rPr>
-              <a:t>" "lm" </a:t>
-            </a:r>
-          </a:p>
-          <a:p>
-            <a:pPr marL="0" indent="0">
-              <a:buNone/>
-            </a:pPr>
-            <a:endParaRPr lang="en-US" sz="1400" dirty="0">
-              <a:latin typeface="Courier"/>
-              <a:cs typeface="Courier"/>
-            </a:endParaRPr>
+            <a:r>
+              <a:rPr lang="en-US" dirty="0" smtClean="0"/>
+              <a:t>The </a:t>
+            </a:r>
+            <a:r>
+              <a:rPr lang="en-US" dirty="0" err="1" smtClean="0"/>
+              <a:t>summaryRprof</a:t>
+            </a:r>
+            <a:r>
+              <a:rPr lang="en-US" dirty="0" smtClean="0"/>
+              <a:t>() function tabulates the R profiler output and calculates how much time is spend in which function</a:t>
+            </a:r>
+          </a:p>
+          <a:p>
+            <a:r>
+              <a:rPr lang="en-US" dirty="0" smtClean="0"/>
+              <a:t>There are two methods for normalizing the data</a:t>
+            </a:r>
+          </a:p>
+          <a:p>
+            <a:r>
+              <a:rPr lang="en-US" dirty="0" smtClean="0"/>
+              <a:t>“</a:t>
+            </a:r>
+            <a:r>
+              <a:rPr lang="en-US" dirty="0" err="1" smtClean="0"/>
+              <a:t>by.total</a:t>
+            </a:r>
+            <a:r>
+              <a:rPr lang="en-US" dirty="0" smtClean="0"/>
+              <a:t>” divides the time spend in each function by the total run time</a:t>
+            </a:r>
+          </a:p>
+          <a:p>
+            <a:r>
+              <a:rPr lang="en-US" dirty="0" smtClean="0"/>
+              <a:t>“</a:t>
+            </a:r>
+            <a:r>
+              <a:rPr lang="en-US" dirty="0" err="1" smtClean="0"/>
+              <a:t>by.self</a:t>
+            </a:r>
+            <a:r>
+              <a:rPr lang="en-US" dirty="0" smtClean="0"/>
+              <a:t>”</a:t>
+            </a:r>
+            <a:r>
+              <a:rPr lang="en-US" dirty="0"/>
+              <a:t> </a:t>
+            </a:r>
+            <a:r>
+              <a:rPr lang="en-US" dirty="0" smtClean="0"/>
+              <a:t>does the same but first subtracts out time spent in functions above in the call stack</a:t>
+            </a:r>
+            <a:endParaRPr lang="en-US" dirty="0"/>
           </a:p>
         </p:txBody>
       </p:sp>
     </p:spTree>
     <p:extLst>
       <p:ext uri="{BB962C8B-B14F-4D97-AF65-F5344CB8AC3E}">
-        <p14:creationId xmlns:p14="http://schemas.microsoft.com/office/powerpoint/2010/main" val="3027270277"/>
+        <p14:creationId xmlns:p14="http://schemas.microsoft.com/office/powerpoint/2010/main" val="3416267561"/>
       </p:ext>
     </p:extLst>
   </p:cSld>
@@ -5567,12 +5609,8 @@
           <a:lstStyle/>
           <a:p>
             <a:r>
-              <a:rPr lang="en-US" dirty="0" err="1" smtClean="0"/>
-              <a:t>summaryRprof</a:t>
-            </a:r>
-            <a:r>
               <a:rPr lang="en-US" dirty="0" smtClean="0"/>
-              <a:t>()</a:t>
+              <a:t>By Total</a:t>
             </a:r>
             <a:endParaRPr lang="en-US" dirty="0"/>
           </a:p>
@@ -5591,72 +5629,396 @@
         <p:spPr/>
         <p:txBody>
           <a:bodyPr>
-            <a:normAutofit lnSpcReduction="10000"/>
+            <a:normAutofit/>
           </a:bodyPr>
           <a:lstStyle/>
           <a:p>
-            <a:r>
-              <a:rPr lang="en-US" dirty="0" smtClean="0"/>
-              <a:t>The </a:t>
-            </a:r>
-            <a:r>
-              <a:rPr lang="en-US" dirty="0" err="1" smtClean="0"/>
-              <a:t>summaryRprof</a:t>
-            </a:r>
-            <a:r>
-              <a:rPr lang="en-US" dirty="0" smtClean="0"/>
-              <a:t>() function tabulates the R profiler output and calculates how much time is spend in which function</a:t>
-            </a:r>
-          </a:p>
-          <a:p>
-            <a:r>
-              <a:rPr lang="en-US" dirty="0" smtClean="0"/>
-              <a:t>There are two methods for normalizing the data</a:t>
-            </a:r>
-          </a:p>
-          <a:p>
-            <a:r>
-              <a:rPr lang="en-US" dirty="0" smtClean="0"/>
-              <a:t>“</a:t>
-            </a:r>
-            <a:r>
-              <a:rPr lang="en-US" dirty="0" err="1" smtClean="0"/>
+            <a:pPr marL="0" indent="0">
+              <a:buNone/>
+            </a:pPr>
+            <a:r>
+              <a:rPr lang="en-US" sz="1600" dirty="0">
+                <a:latin typeface="Courier"/>
+                <a:cs typeface="Courier"/>
+              </a:rPr>
+              <a:t>$</a:t>
+            </a:r>
+            <a:r>
+              <a:rPr lang="en-US" sz="1600" dirty="0" err="1">
+                <a:latin typeface="Courier"/>
+                <a:cs typeface="Courier"/>
+              </a:rPr>
               <a:t>by.total</a:t>
             </a:r>
-            <a:r>
-              <a:rPr lang="en-US" dirty="0" smtClean="0"/>
-              <a:t>” divides the time spend in each function by the total run time</a:t>
-            </a:r>
-          </a:p>
-          <a:p>
-            <a:r>
-              <a:rPr lang="en-US" dirty="0" smtClean="0"/>
-              <a:t>“</a:t>
-            </a:r>
-            <a:r>
-              <a:rPr lang="en-US" dirty="0" err="1" smtClean="0"/>
-              <a:t>by.self</a:t>
-            </a:r>
-            <a:r>
-              <a:rPr lang="en-US" dirty="0" smtClean="0"/>
-              <a:t>”</a:t>
-            </a:r>
-            <a:r>
-              <a:rPr lang="en-US" dirty="0"/>
+            <a:endParaRPr lang="en-US" sz="1600" dirty="0">
+              <a:latin typeface="Courier"/>
+              <a:cs typeface="Courier"/>
+            </a:endParaRPr>
+          </a:p>
+          <a:p>
+            <a:pPr marL="0" indent="0">
+              <a:buNone/>
+            </a:pPr>
+            <a:r>
+              <a:rPr lang="en-US" sz="1600" dirty="0">
+                <a:latin typeface="Courier"/>
+                <a:cs typeface="Courier"/>
+              </a:rPr>
+              <a:t>                        </a:t>
+            </a:r>
+            <a:r>
+              <a:rPr lang="en-US" sz="1600" dirty="0" err="1">
+                <a:latin typeface="Courier"/>
+                <a:cs typeface="Courier"/>
+              </a:rPr>
+              <a:t>total.time</a:t>
+            </a:r>
+            <a:r>
+              <a:rPr lang="en-US" sz="1600" dirty="0">
+                <a:latin typeface="Courier"/>
+                <a:cs typeface="Courier"/>
+              </a:rPr>
               <a:t> </a:t>
             </a:r>
             <a:r>
-              <a:rPr lang="en-US" dirty="0" smtClean="0"/>
-              <a:t>does the same but first subtracts out time spent in functions above in the call stack</a:t>
-            </a:r>
-            <a:endParaRPr lang="en-US" dirty="0"/>
+              <a:rPr lang="en-US" sz="1600" dirty="0" err="1">
+                <a:latin typeface="Courier"/>
+                <a:cs typeface="Courier"/>
+              </a:rPr>
+              <a:t>total.pct</a:t>
+            </a:r>
+            <a:r>
+              <a:rPr lang="en-US" sz="1600" dirty="0">
+                <a:latin typeface="Courier"/>
+                <a:cs typeface="Courier"/>
+              </a:rPr>
+              <a:t> </a:t>
+            </a:r>
+            <a:r>
+              <a:rPr lang="en-US" sz="1600" dirty="0" err="1">
+                <a:latin typeface="Courier"/>
+                <a:cs typeface="Courier"/>
+              </a:rPr>
+              <a:t>self.time</a:t>
+            </a:r>
+            <a:r>
+              <a:rPr lang="en-US" sz="1600" dirty="0">
+                <a:latin typeface="Courier"/>
+                <a:cs typeface="Courier"/>
+              </a:rPr>
+              <a:t> </a:t>
+            </a:r>
+            <a:r>
+              <a:rPr lang="en-US" sz="1600" dirty="0" err="1">
+                <a:latin typeface="Courier"/>
+                <a:cs typeface="Courier"/>
+              </a:rPr>
+              <a:t>self.pct</a:t>
+            </a:r>
+            <a:endParaRPr lang="en-US" sz="1600" dirty="0">
+              <a:latin typeface="Courier"/>
+              <a:cs typeface="Courier"/>
+            </a:endParaRPr>
+          </a:p>
+          <a:p>
+            <a:pPr marL="0" indent="0">
+              <a:buNone/>
+            </a:pPr>
+            <a:r>
+              <a:rPr lang="en-US" sz="1600" dirty="0">
+                <a:latin typeface="Courier"/>
+                <a:cs typeface="Courier"/>
+              </a:rPr>
+              <a:t>"lm"                          7.41    100.00      0.30     4.05</a:t>
+            </a:r>
+          </a:p>
+          <a:p>
+            <a:pPr marL="0" indent="0">
+              <a:buNone/>
+            </a:pPr>
+            <a:r>
+              <a:rPr lang="en-US" sz="1600" dirty="0">
+                <a:latin typeface="Courier"/>
+                <a:cs typeface="Courier"/>
+              </a:rPr>
+              <a:t>"</a:t>
+            </a:r>
+            <a:r>
+              <a:rPr lang="en-US" sz="1600" dirty="0" err="1">
+                <a:latin typeface="Courier"/>
+                <a:cs typeface="Courier"/>
+              </a:rPr>
+              <a:t>lm.fit</a:t>
+            </a:r>
+            <a:r>
+              <a:rPr lang="en-US" sz="1600" dirty="0">
+                <a:latin typeface="Courier"/>
+                <a:cs typeface="Courier"/>
+              </a:rPr>
+              <a:t>"                      3.50     47.23      2.99    40.35</a:t>
+            </a:r>
+          </a:p>
+          <a:p>
+            <a:pPr marL="0" indent="0">
+              <a:buNone/>
+            </a:pPr>
+            <a:r>
+              <a:rPr lang="en-US" sz="1600" dirty="0">
+                <a:latin typeface="Courier"/>
+                <a:cs typeface="Courier"/>
+              </a:rPr>
+              <a:t>"</a:t>
+            </a:r>
+            <a:r>
+              <a:rPr lang="en-US" sz="1600" dirty="0" err="1">
+                <a:latin typeface="Courier"/>
+                <a:cs typeface="Courier"/>
+              </a:rPr>
+              <a:t>model.frame.default</a:t>
+            </a:r>
+            <a:r>
+              <a:rPr lang="en-US" sz="1600" dirty="0">
+                <a:latin typeface="Courier"/>
+                <a:cs typeface="Courier"/>
+              </a:rPr>
+              <a:t>"         2.24     30.23      0.12     1.62</a:t>
+            </a:r>
+          </a:p>
+          <a:p>
+            <a:pPr marL="0" indent="0">
+              <a:buNone/>
+            </a:pPr>
+            <a:r>
+              <a:rPr lang="en-US" sz="1600" dirty="0">
+                <a:latin typeface="Courier"/>
+                <a:cs typeface="Courier"/>
+              </a:rPr>
+              <a:t>"</a:t>
+            </a:r>
+            <a:r>
+              <a:rPr lang="en-US" sz="1600" dirty="0" err="1">
+                <a:latin typeface="Courier"/>
+                <a:cs typeface="Courier"/>
+              </a:rPr>
+              <a:t>eval</a:t>
+            </a:r>
+            <a:r>
+              <a:rPr lang="en-US" sz="1600" dirty="0">
+                <a:latin typeface="Courier"/>
+                <a:cs typeface="Courier"/>
+              </a:rPr>
+              <a:t>"                        2.24     30.23      0.00     0.00</a:t>
+            </a:r>
+          </a:p>
+          <a:p>
+            <a:pPr marL="0" indent="0">
+              <a:buNone/>
+            </a:pPr>
+            <a:r>
+              <a:rPr lang="en-US" sz="1600" dirty="0">
+                <a:latin typeface="Courier"/>
+                <a:cs typeface="Courier"/>
+              </a:rPr>
+              <a:t>"</a:t>
+            </a:r>
+            <a:r>
+              <a:rPr lang="en-US" sz="1600" dirty="0" err="1">
+                <a:latin typeface="Courier"/>
+                <a:cs typeface="Courier"/>
+              </a:rPr>
+              <a:t>model.frame</a:t>
+            </a:r>
+            <a:r>
+              <a:rPr lang="en-US" sz="1600" dirty="0">
+                <a:latin typeface="Courier"/>
+                <a:cs typeface="Courier"/>
+              </a:rPr>
+              <a:t>"                 2.24     30.23      0.00     0.00</a:t>
+            </a:r>
+          </a:p>
+          <a:p>
+            <a:pPr marL="0" indent="0">
+              <a:buNone/>
+            </a:pPr>
+            <a:r>
+              <a:rPr lang="en-US" sz="1600" dirty="0">
+                <a:latin typeface="Courier"/>
+                <a:cs typeface="Courier"/>
+              </a:rPr>
+              <a:t>"</a:t>
+            </a:r>
+            <a:r>
+              <a:rPr lang="en-US" sz="1600" dirty="0" err="1">
+                <a:latin typeface="Courier"/>
+                <a:cs typeface="Courier"/>
+              </a:rPr>
+              <a:t>na.omit</a:t>
+            </a:r>
+            <a:r>
+              <a:rPr lang="en-US" sz="1600" dirty="0">
+                <a:latin typeface="Courier"/>
+                <a:cs typeface="Courier"/>
+              </a:rPr>
+              <a:t>"                     1.54     20.78      0.24     3.24</a:t>
+            </a:r>
+          </a:p>
+          <a:p>
+            <a:pPr marL="0" indent="0">
+              <a:buNone/>
+            </a:pPr>
+            <a:r>
+              <a:rPr lang="en-US" sz="1600" dirty="0">
+                <a:latin typeface="Courier"/>
+                <a:cs typeface="Courier"/>
+              </a:rPr>
+              <a:t>"</a:t>
+            </a:r>
+            <a:r>
+              <a:rPr lang="en-US" sz="1600" dirty="0" err="1">
+                <a:latin typeface="Courier"/>
+                <a:cs typeface="Courier"/>
+              </a:rPr>
+              <a:t>na.omit.data.frame</a:t>
+            </a:r>
+            <a:r>
+              <a:rPr lang="en-US" sz="1600" dirty="0">
+                <a:latin typeface="Courier"/>
+                <a:cs typeface="Courier"/>
+              </a:rPr>
+              <a:t>"          1.30     17.54      0.49     6.61</a:t>
+            </a:r>
+          </a:p>
+          <a:p>
+            <a:pPr marL="0" indent="0">
+              <a:buNone/>
+            </a:pPr>
+            <a:r>
+              <a:rPr lang="en-US" sz="1600" dirty="0">
+                <a:latin typeface="Courier"/>
+                <a:cs typeface="Courier"/>
+              </a:rPr>
+              <a:t>"</a:t>
+            </a:r>
+            <a:r>
+              <a:rPr lang="en-US" sz="1600" dirty="0" err="1">
+                <a:latin typeface="Courier"/>
+                <a:cs typeface="Courier"/>
+              </a:rPr>
+              <a:t>lapply</a:t>
+            </a:r>
+            <a:r>
+              <a:rPr lang="en-US" sz="1600" dirty="0">
+                <a:latin typeface="Courier"/>
+                <a:cs typeface="Courier"/>
+              </a:rPr>
+              <a:t>"                      1.04     14.04      0.00     0.00</a:t>
+            </a:r>
+          </a:p>
+          <a:p>
+            <a:pPr marL="0" indent="0">
+              <a:buNone/>
+            </a:pPr>
+            <a:r>
+              <a:rPr lang="en-US" sz="1600" dirty="0">
+                <a:latin typeface="Courier"/>
+                <a:cs typeface="Courier"/>
+              </a:rPr>
+              <a:t>"[.</a:t>
+            </a:r>
+            <a:r>
+              <a:rPr lang="en-US" sz="1600" dirty="0" err="1">
+                <a:latin typeface="Courier"/>
+                <a:cs typeface="Courier"/>
+              </a:rPr>
+              <a:t>data.frame</a:t>
+            </a:r>
+            <a:r>
+              <a:rPr lang="en-US" sz="1600" dirty="0">
+                <a:latin typeface="Courier"/>
+                <a:cs typeface="Courier"/>
+              </a:rPr>
+              <a:t>"                1.03     13.90      0.79    10.66</a:t>
+            </a:r>
+          </a:p>
+          <a:p>
+            <a:pPr marL="0" indent="0">
+              <a:buNone/>
+            </a:pPr>
+            <a:r>
+              <a:rPr lang="en-US" sz="1600" dirty="0">
+                <a:latin typeface="Courier"/>
+                <a:cs typeface="Courier"/>
+              </a:rPr>
+              <a:t>"["                           1.03     13.90      0.00     0.00</a:t>
+            </a:r>
+          </a:p>
+          <a:p>
+            <a:pPr marL="0" indent="0">
+              <a:buNone/>
+            </a:pPr>
+            <a:r>
+              <a:rPr lang="en-US" sz="1600" dirty="0">
+                <a:latin typeface="Courier"/>
+                <a:cs typeface="Courier"/>
+              </a:rPr>
+              <a:t>"</a:t>
+            </a:r>
+            <a:r>
+              <a:rPr lang="en-US" sz="1600" dirty="0" err="1">
+                <a:latin typeface="Courier"/>
+                <a:cs typeface="Courier"/>
+              </a:rPr>
+              <a:t>as.list.data.frame</a:t>
+            </a:r>
+            <a:r>
+              <a:rPr lang="en-US" sz="1600" dirty="0">
+                <a:latin typeface="Courier"/>
+                <a:cs typeface="Courier"/>
+              </a:rPr>
+              <a:t>"          0.82     11.07      0.82    11.07</a:t>
+            </a:r>
+          </a:p>
+          <a:p>
+            <a:pPr marL="0" indent="0">
+              <a:buNone/>
+            </a:pPr>
+            <a:r>
+              <a:rPr lang="en-US" sz="1600" dirty="0">
+                <a:latin typeface="Courier"/>
+                <a:cs typeface="Courier"/>
+              </a:rPr>
+              <a:t>"</a:t>
+            </a:r>
+            <a:r>
+              <a:rPr lang="en-US" sz="1600" dirty="0" err="1">
+                <a:latin typeface="Courier"/>
+                <a:cs typeface="Courier"/>
+              </a:rPr>
+              <a:t>as.list</a:t>
+            </a:r>
+            <a:r>
+              <a:rPr lang="en-US" sz="1600" dirty="0">
+                <a:latin typeface="Courier"/>
+                <a:cs typeface="Courier"/>
+              </a:rPr>
+              <a:t>"                     0.82     11.07      0.00     0.00</a:t>
+            </a:r>
+          </a:p>
+          <a:p>
+            <a:pPr marL="0" indent="0">
+              <a:buNone/>
+            </a:pPr>
+            <a:endParaRPr lang="en-US" sz="1600" dirty="0">
+              <a:latin typeface="Courier"/>
+              <a:cs typeface="Courier"/>
+            </a:endParaRPr>
           </a:p>
         </p:txBody>
       </p:sp>
     </p:spTree>
     <p:extLst>
       <p:ext uri="{BB962C8B-B14F-4D97-AF65-F5344CB8AC3E}">
-        <p14:creationId xmlns:p14="http://schemas.microsoft.com/office/powerpoint/2010/main" val="3416267561"/>
+        <p14:creationId xmlns:p14="http://schemas.microsoft.com/office/powerpoint/2010/main" val="270312098"/>
       </p:ext>
     </p:extLst>
   </p:cSld>
@@ -5700,7 +6062,7 @@
           <a:p>
             <a:r>
               <a:rPr lang="en-US" dirty="0" smtClean="0"/>
-              <a:t>By Total</a:t>
+              <a:t>By Self</a:t>
             </a:r>
             <a:endParaRPr lang="en-US" dirty="0"/>
           </a:p>
@@ -5738,7 +6100,7 @@
                 <a:latin typeface="Courier"/>
                 <a:cs typeface="Courier"/>
               </a:rPr>
-              <a:t>by.total</a:t>
+              <a:t>by.self</a:t>
             </a:r>
             <a:endParaRPr lang="en-US" sz="1600" dirty="0">
               <a:latin typeface="Courier"/>
@@ -5761,6 +6123,34 @@
                 <a:latin typeface="Courier"/>
                 <a:cs typeface="Courier"/>
               </a:rPr>
+              <a:t>self.time</a:t>
+            </a:r>
+            <a:r>
+              <a:rPr lang="en-US" sz="1600" dirty="0">
+                <a:latin typeface="Courier"/>
+                <a:cs typeface="Courier"/>
+              </a:rPr>
+              <a:t> </a:t>
+            </a:r>
+            <a:r>
+              <a:rPr lang="en-US" sz="1600" dirty="0" err="1">
+                <a:latin typeface="Courier"/>
+                <a:cs typeface="Courier"/>
+              </a:rPr>
+              <a:t>self.pct</a:t>
+            </a:r>
+            <a:r>
+              <a:rPr lang="en-US" sz="1600" dirty="0">
+                <a:latin typeface="Courier"/>
+                <a:cs typeface="Courier"/>
+              </a:rPr>
+              <a:t> </a:t>
+            </a:r>
+            <a:r>
+              <a:rPr lang="en-US" sz="1600" dirty="0" err="1">
+                <a:latin typeface="Courier"/>
+                <a:cs typeface="Courier"/>
+              </a:rPr>
               <a:t>total.time</a:t>
             </a:r>
             <a:r>
@@ -5776,34 +6166,6 @@
                 <a:cs typeface="Courier"/>
               </a:rPr>
               <a:t>total.pct</a:t>
-            </a:r>
-            <a:r>
-              <a:rPr lang="en-US" sz="1600" dirty="0">
-                <a:latin typeface="Courier"/>
-                <a:cs typeface="Courier"/>
-              </a:rPr>
-              <a:t> </a:t>
-            </a:r>
-            <a:r>
-              <a:rPr lang="en-US" sz="1600" dirty="0" err="1">
-                <a:latin typeface="Courier"/>
-                <a:cs typeface="Courier"/>
-              </a:rPr>
-              <a:t>self.time</a:t>
-            </a:r>
-            <a:r>
-              <a:rPr lang="en-US" sz="1600" dirty="0">
-                <a:latin typeface="Courier"/>
-                <a:cs typeface="Courier"/>
-              </a:rPr>
-              <a:t> </a:t>
-            </a:r>
-            <a:r>
-              <a:rPr lang="en-US" sz="1600" dirty="0" err="1">
-                <a:latin typeface="Courier"/>
-                <a:cs typeface="Courier"/>
-              </a:rPr>
-              <a:t>self.pct</a:t>
             </a:r>
             <a:endParaRPr lang="en-US" sz="1600" dirty="0">
               <a:latin typeface="Courier"/>
@@ -5819,7 +6181,21 @@
                 <a:latin typeface="Courier"/>
                 <a:cs typeface="Courier"/>
               </a:rPr>
-              <a:t>"lm"                          7.41    100.00      0.30     4.05</a:t>
+              <a:t>"</a:t>
+            </a:r>
+            <a:r>
+              <a:rPr lang="en-US" sz="1600" dirty="0" err="1">
+                <a:latin typeface="Courier"/>
+                <a:cs typeface="Courier"/>
+              </a:rPr>
+              <a:t>lm.fit</a:t>
+            </a:r>
+            <a:r>
+              <a:rPr lang="en-US" sz="1600" dirty="0">
+                <a:latin typeface="Courier"/>
+                <a:cs typeface="Courier"/>
+              </a:rPr>
+              <a:t>"                     2.99    40.35       3.50     47.23</a:t>
             </a:r>
           </a:p>
           <a:p>
@@ -5838,14 +6214,14 @@
                 <a:latin typeface="Courier"/>
                 <a:cs typeface="Courier"/>
               </a:rPr>
-              <a:t>lm.fit</a:t>
+              <a:t>as.list.data.frame</a:t>
             </a:r>
             <a:r>
               <a:rPr lang="en-US" sz="1600" dirty="0">
                 <a:latin typeface="Courier"/>
                 <a:cs typeface="Courier"/>
               </a:rPr>
-              <a:t>"                      3.50     47.23      2.99    40.35</a:t>
+              <a:t>"         0.82    11.07       0.82     11.07</a:t>
             </a:r>
           </a:p>
           <a:p>
@@ -5857,6 +6233,44 @@
                 <a:latin typeface="Courier"/>
                 <a:cs typeface="Courier"/>
               </a:rPr>
+              <a:t>"[.</a:t>
+            </a:r>
+            <a:r>
+              <a:rPr lang="en-US" sz="1600" dirty="0" err="1">
+                <a:latin typeface="Courier"/>
+                <a:cs typeface="Courier"/>
+              </a:rPr>
+              <a:t>data.frame</a:t>
+            </a:r>
+            <a:r>
+              <a:rPr lang="en-US" sz="1600" dirty="0">
+                <a:latin typeface="Courier"/>
+                <a:cs typeface="Courier"/>
+              </a:rPr>
+              <a:t>"               0.79    10.66       1.03     13.90</a:t>
+            </a:r>
+          </a:p>
+          <a:p>
+            <a:pPr marL="0" indent="0">
+              <a:buNone/>
+            </a:pPr>
+            <a:r>
+              <a:rPr lang="en-US" sz="1600" dirty="0">
+                <a:latin typeface="Courier"/>
+                <a:cs typeface="Courier"/>
+              </a:rPr>
+              <a:t>"structure"                  0.73     9.85       0.73      9.85</a:t>
+            </a:r>
+          </a:p>
+          <a:p>
+            <a:pPr marL="0" indent="0">
+              <a:buNone/>
+            </a:pPr>
+            <a:r>
+              <a:rPr lang="en-US" sz="1600" dirty="0">
+                <a:latin typeface="Courier"/>
+                <a:cs typeface="Courier"/>
+              </a:rPr>
               <a:t>"</a:t>
             </a:r>
             <a:r>
@@ -5864,14 +6278,14 @@
                 <a:latin typeface="Courier"/>
                 <a:cs typeface="Courier"/>
               </a:rPr>
-              <a:t>model.frame.default</a:t>
+              <a:t>na.omit.data.frame</a:t>
             </a:r>
             <a:r>
               <a:rPr lang="en-US" sz="1600" dirty="0">
                 <a:latin typeface="Courier"/>
                 <a:cs typeface="Courier"/>
               </a:rPr>
-              <a:t>"         2.24     30.23      0.12     1.62</a:t>
+              <a:t>"         0.49     6.61       1.30     17.54</a:t>
             </a:r>
           </a:p>
           <a:p>
@@ -5883,6 +6297,30 @@
                 <a:latin typeface="Courier"/>
                 <a:cs typeface="Courier"/>
               </a:rPr>
+              <a:t>"list"                       0.46     6.21       0.46      6.21</a:t>
+            </a:r>
+          </a:p>
+          <a:p>
+            <a:pPr marL="0" indent="0">
+              <a:buNone/>
+            </a:pPr>
+            <a:r>
+              <a:rPr lang="en-US" sz="1600" dirty="0">
+                <a:latin typeface="Courier"/>
+                <a:cs typeface="Courier"/>
+              </a:rPr>
+              <a:t>"lm"                         0.30     4.05       7.41    100.00</a:t>
+            </a:r>
+          </a:p>
+          <a:p>
+            <a:pPr marL="0" indent="0">
+              <a:buNone/>
+            </a:pPr>
+            <a:r>
+              <a:rPr lang="en-US" sz="1600" dirty="0">
+                <a:latin typeface="Courier"/>
+                <a:cs typeface="Courier"/>
+              </a:rPr>
               <a:t>"</a:t>
             </a:r>
             <a:r>
@@ -5890,14 +6328,14 @@
                 <a:latin typeface="Courier"/>
                 <a:cs typeface="Courier"/>
               </a:rPr>
-              <a:t>eval</a:t>
+              <a:t>model.matrix.default</a:t>
             </a:r>
             <a:r>
               <a:rPr lang="en-US" sz="1600" dirty="0">
                 <a:latin typeface="Courier"/>
                 <a:cs typeface="Courier"/>
               </a:rPr>
-              <a:t>"                        2.24     30.23      0.00     0.00</a:t>
+              <a:t>"       0.27     3.64       0.79     10.66</a:t>
             </a:r>
           </a:p>
           <a:p>
@@ -5916,14 +6354,14 @@
                 <a:latin typeface="Courier"/>
                 <a:cs typeface="Courier"/>
               </a:rPr>
-              <a:t>model.frame</a:t>
+              <a:t>na.omit</a:t>
             </a:r>
             <a:r>
               <a:rPr lang="en-US" sz="1600" dirty="0">
                 <a:latin typeface="Courier"/>
                 <a:cs typeface="Courier"/>
               </a:rPr>
-              <a:t>"                 2.24     30.23      0.00     0.00</a:t>
+              <a:t>"                    0.24     3.24       1.54     20.78</a:t>
             </a:r>
           </a:p>
           <a:p>
@@ -5931,25 +6369,11 @@
               <a:buNone/>
             </a:pPr>
             <a:r>
-              <a:rPr lang="en-US" sz="1600" dirty="0">
-                <a:latin typeface="Courier"/>
-                <a:cs typeface="Courier"/>
-              </a:rPr>
-              <a:t>"</a:t>
-            </a:r>
-            <a:r>
-              <a:rPr lang="en-US" sz="1600" dirty="0" err="1">
-                <a:latin typeface="Courier"/>
-                <a:cs typeface="Courier"/>
-              </a:rPr>
-              <a:t>na.omit</a:t>
-            </a:r>
-            <a:r>
-              <a:rPr lang="en-US" sz="1600" dirty="0">
-                <a:latin typeface="Courier"/>
-                <a:cs typeface="Courier"/>
-              </a:rPr>
-              <a:t>"                     1.54     20.78      0.24     3.24</a:t>
+              <a:rPr lang="ro-RO" sz="1600" dirty="0">
+                <a:latin typeface="Courier"/>
+                <a:cs typeface="Courier"/>
+              </a:rPr>
+              <a:t>"as.character"               0.18     2.43       0.18      2.43</a:t>
             </a:r>
           </a:p>
           <a:p>
@@ -5957,25 +6381,11 @@
               <a:buNone/>
             </a:pPr>
             <a:r>
-              <a:rPr lang="en-US" sz="1600" dirty="0">
-                <a:latin typeface="Courier"/>
-                <a:cs typeface="Courier"/>
-              </a:rPr>
-              <a:t>"</a:t>
-            </a:r>
-            <a:r>
-              <a:rPr lang="en-US" sz="1600" dirty="0" err="1">
-                <a:latin typeface="Courier"/>
-                <a:cs typeface="Courier"/>
-              </a:rPr>
-              <a:t>na.omit.data.frame</a:t>
-            </a:r>
-            <a:r>
-              <a:rPr lang="en-US" sz="1600" dirty="0">
-                <a:latin typeface="Courier"/>
-                <a:cs typeface="Courier"/>
-              </a:rPr>
-              <a:t>"          1.30     17.54      0.49     6.61</a:t>
+              <a:rPr lang="ro-RO" sz="1600" dirty="0">
+                <a:latin typeface="Courier"/>
+                <a:cs typeface="Courier"/>
+              </a:rPr>
+              <a:t>"model.frame.default"        0.12     1.62       2.24     30.23</a:t>
             </a:r>
           </a:p>
           <a:p>
@@ -5983,121 +6393,12 @@
               <a:buNone/>
             </a:pPr>
             <a:r>
-              <a:rPr lang="en-US" sz="1600" dirty="0">
-                <a:latin typeface="Courier"/>
-                <a:cs typeface="Courier"/>
-              </a:rPr>
-              <a:t>"</a:t>
-            </a:r>
-            <a:r>
-              <a:rPr lang="en-US" sz="1600" dirty="0" err="1">
-                <a:latin typeface="Courier"/>
-                <a:cs typeface="Courier"/>
-              </a:rPr>
-              <a:t>lapply</a:t>
-            </a:r>
-            <a:r>
-              <a:rPr lang="en-US" sz="1600" dirty="0">
-                <a:latin typeface="Courier"/>
-                <a:cs typeface="Courier"/>
-              </a:rPr>
-              <a:t>"                      1.04     14.04      0.00     0.00</a:t>
-            </a:r>
-          </a:p>
-          <a:p>
-            <a:pPr marL="0" indent="0">
-              <a:buNone/>
-            </a:pPr>
-            <a:r>
-              <a:rPr lang="en-US" sz="1600" dirty="0">
-                <a:latin typeface="Courier"/>
-                <a:cs typeface="Courier"/>
-              </a:rPr>
-              <a:t>"[.</a:t>
-            </a:r>
-            <a:r>
-              <a:rPr lang="en-US" sz="1600" dirty="0" err="1">
-                <a:latin typeface="Courier"/>
-                <a:cs typeface="Courier"/>
-              </a:rPr>
-              <a:t>data.frame</a:t>
-            </a:r>
-            <a:r>
-              <a:rPr lang="en-US" sz="1600" dirty="0">
-                <a:latin typeface="Courier"/>
-                <a:cs typeface="Courier"/>
-              </a:rPr>
-              <a:t>"                1.03     13.90      0.79    10.66</a:t>
-            </a:r>
-          </a:p>
-          <a:p>
-            <a:pPr marL="0" indent="0">
-              <a:buNone/>
-            </a:pPr>
-            <a:r>
-              <a:rPr lang="en-US" sz="1600" dirty="0">
-                <a:latin typeface="Courier"/>
-                <a:cs typeface="Courier"/>
-              </a:rPr>
-              <a:t>"["                           1.03     13.90      0.00     0.00</a:t>
-            </a:r>
-          </a:p>
-          <a:p>
-            <a:pPr marL="0" indent="0">
-              <a:buNone/>
-            </a:pPr>
-            <a:r>
-              <a:rPr lang="en-US" sz="1600" dirty="0">
-                <a:latin typeface="Courier"/>
-                <a:cs typeface="Courier"/>
-              </a:rPr>
-              <a:t>"</a:t>
-            </a:r>
-            <a:r>
-              <a:rPr lang="en-US" sz="1600" dirty="0" err="1">
-                <a:latin typeface="Courier"/>
-                <a:cs typeface="Courier"/>
-              </a:rPr>
-              <a:t>as.list.data.frame</a:t>
-            </a:r>
-            <a:r>
-              <a:rPr lang="en-US" sz="1600" dirty="0">
-                <a:latin typeface="Courier"/>
-                <a:cs typeface="Courier"/>
-              </a:rPr>
-              <a:t>"          0.82     11.07      0.82    11.07</a:t>
-            </a:r>
-          </a:p>
-          <a:p>
-            <a:pPr marL="0" indent="0">
-              <a:buNone/>
-            </a:pPr>
-            <a:r>
-              <a:rPr lang="en-US" sz="1600" dirty="0">
-                <a:latin typeface="Courier"/>
-                <a:cs typeface="Courier"/>
-              </a:rPr>
-              <a:t>"</a:t>
-            </a:r>
-            <a:r>
-              <a:rPr lang="en-US" sz="1600" dirty="0" err="1">
-                <a:latin typeface="Courier"/>
-                <a:cs typeface="Courier"/>
-              </a:rPr>
-              <a:t>as.list</a:t>
-            </a:r>
-            <a:r>
-              <a:rPr lang="en-US" sz="1600" dirty="0">
-                <a:latin typeface="Courier"/>
-                <a:cs typeface="Courier"/>
-              </a:rPr>
-              <a:t>"                     0.82     11.07      0.00     0.00</a:t>
-            </a:r>
-          </a:p>
-          <a:p>
-            <a:pPr marL="0" indent="0">
-              <a:buNone/>
-            </a:pPr>
+              <a:rPr lang="ro-RO" sz="1600" dirty="0">
+                <a:latin typeface="Courier"/>
+                <a:cs typeface="Courier"/>
+              </a:rPr>
+              <a:t>"anyDuplicated.default"      0.02     0.27       0.02      0.27</a:t>
+            </a:r>
             <a:endParaRPr lang="en-US" sz="1600" dirty="0">
               <a:latin typeface="Courier"/>
               <a:cs typeface="Courier"/>
@@ -6108,7 +6409,7 @@
     </p:spTree>
     <p:extLst>
       <p:ext uri="{BB962C8B-B14F-4D97-AF65-F5344CB8AC3E}">
-        <p14:creationId xmlns:p14="http://schemas.microsoft.com/office/powerpoint/2010/main" val="270312098"/>
+        <p14:creationId xmlns:p14="http://schemas.microsoft.com/office/powerpoint/2010/main" val="274099939"/>
       </p:ext>
     </p:extLst>
   </p:cSld>
@@ -6248,397 +6549,6 @@
           <a:lstStyle/>
           <a:p>
             <a:r>
-              <a:rPr lang="en-US" dirty="0" smtClean="0"/>
-              <a:t>By Self</a:t>
-            </a:r>
-            <a:endParaRPr lang="en-US" dirty="0"/>
-          </a:p>
-        </p:txBody>
-      </p:sp>
-      <p:sp>
-        <p:nvSpPr>
-          <p:cNvPr id="3" name="Content Placeholder 2"/>
-          <p:cNvSpPr>
-            <a:spLocks noGrp="1"/>
-          </p:cNvSpPr>
-          <p:nvPr>
-            <p:ph idx="1"/>
-          </p:nvPr>
-        </p:nvSpPr>
-        <p:spPr/>
-        <p:txBody>
-          <a:bodyPr>
-            <a:normAutofit/>
-          </a:bodyPr>
-          <a:lstStyle/>
-          <a:p>
-            <a:pPr marL="0" indent="0">
-              <a:buNone/>
-            </a:pPr>
-            <a:r>
-              <a:rPr lang="en-US" sz="1600" dirty="0">
-                <a:latin typeface="Courier"/>
-                <a:cs typeface="Courier"/>
-              </a:rPr>
-              <a:t>$</a:t>
-            </a:r>
-            <a:r>
-              <a:rPr lang="en-US" sz="1600" dirty="0" err="1">
-                <a:latin typeface="Courier"/>
-                <a:cs typeface="Courier"/>
-              </a:rPr>
-              <a:t>by.self</a:t>
-            </a:r>
-            <a:endParaRPr lang="en-US" sz="1600" dirty="0">
-              <a:latin typeface="Courier"/>
-              <a:cs typeface="Courier"/>
-            </a:endParaRPr>
-          </a:p>
-          <a:p>
-            <a:pPr marL="0" indent="0">
-              <a:buNone/>
-            </a:pPr>
-            <a:r>
-              <a:rPr lang="en-US" sz="1600" dirty="0">
-                <a:latin typeface="Courier"/>
-                <a:cs typeface="Courier"/>
-              </a:rPr>
-              <a:t>                        </a:t>
-            </a:r>
-            <a:r>
-              <a:rPr lang="en-US" sz="1600" dirty="0" err="1">
-                <a:latin typeface="Courier"/>
-                <a:cs typeface="Courier"/>
-              </a:rPr>
-              <a:t>self.time</a:t>
-            </a:r>
-            <a:r>
-              <a:rPr lang="en-US" sz="1600" dirty="0">
-                <a:latin typeface="Courier"/>
-                <a:cs typeface="Courier"/>
-              </a:rPr>
-              <a:t> </a:t>
-            </a:r>
-            <a:r>
-              <a:rPr lang="en-US" sz="1600" dirty="0" err="1">
-                <a:latin typeface="Courier"/>
-                <a:cs typeface="Courier"/>
-              </a:rPr>
-              <a:t>self.pct</a:t>
-            </a:r>
-            <a:r>
-              <a:rPr lang="en-US" sz="1600" dirty="0">
-                <a:latin typeface="Courier"/>
-                <a:cs typeface="Courier"/>
-              </a:rPr>
-              <a:t> </a:t>
-            </a:r>
-            <a:r>
-              <a:rPr lang="en-US" sz="1600" dirty="0" err="1">
-                <a:latin typeface="Courier"/>
-                <a:cs typeface="Courier"/>
-              </a:rPr>
-              <a:t>total.time</a:t>
-            </a:r>
-            <a:r>
-              <a:rPr lang="en-US" sz="1600" dirty="0">
-                <a:latin typeface="Courier"/>
-                <a:cs typeface="Courier"/>
-              </a:rPr>
-              <a:t> </a:t>
-            </a:r>
-            <a:r>
-              <a:rPr lang="en-US" sz="1600" dirty="0" err="1">
-                <a:latin typeface="Courier"/>
-                <a:cs typeface="Courier"/>
-              </a:rPr>
-              <a:t>total.pct</a:t>
-            </a:r>
-            <a:endParaRPr lang="en-US" sz="1600" dirty="0">
-              <a:latin typeface="Courier"/>
-              <a:cs typeface="Courier"/>
-            </a:endParaRPr>
-          </a:p>
-          <a:p>
-            <a:pPr marL="0" indent="0">
-              <a:buNone/>
-            </a:pPr>
-            <a:r>
-              <a:rPr lang="en-US" sz="1600" dirty="0">
-                <a:latin typeface="Courier"/>
-                <a:cs typeface="Courier"/>
-              </a:rPr>
-              <a:t>"</a:t>
-            </a:r>
-            <a:r>
-              <a:rPr lang="en-US" sz="1600" dirty="0" err="1">
-                <a:latin typeface="Courier"/>
-                <a:cs typeface="Courier"/>
-              </a:rPr>
-              <a:t>lm.fit</a:t>
-            </a:r>
-            <a:r>
-              <a:rPr lang="en-US" sz="1600" dirty="0">
-                <a:latin typeface="Courier"/>
-                <a:cs typeface="Courier"/>
-              </a:rPr>
-              <a:t>"                     2.99    40.35       3.50     47.23</a:t>
-            </a:r>
-          </a:p>
-          <a:p>
-            <a:pPr marL="0" indent="0">
-              <a:buNone/>
-            </a:pPr>
-            <a:r>
-              <a:rPr lang="en-US" sz="1600" dirty="0">
-                <a:latin typeface="Courier"/>
-                <a:cs typeface="Courier"/>
-              </a:rPr>
-              <a:t>"</a:t>
-            </a:r>
-            <a:r>
-              <a:rPr lang="en-US" sz="1600" dirty="0" err="1">
-                <a:latin typeface="Courier"/>
-                <a:cs typeface="Courier"/>
-              </a:rPr>
-              <a:t>as.list.data.frame</a:t>
-            </a:r>
-            <a:r>
-              <a:rPr lang="en-US" sz="1600" dirty="0">
-                <a:latin typeface="Courier"/>
-                <a:cs typeface="Courier"/>
-              </a:rPr>
-              <a:t>"         0.82    11.07       0.82     11.07</a:t>
-            </a:r>
-          </a:p>
-          <a:p>
-            <a:pPr marL="0" indent="0">
-              <a:buNone/>
-            </a:pPr>
-            <a:r>
-              <a:rPr lang="en-US" sz="1600" dirty="0">
-                <a:latin typeface="Courier"/>
-                <a:cs typeface="Courier"/>
-              </a:rPr>
-              <a:t>"[.</a:t>
-            </a:r>
-            <a:r>
-              <a:rPr lang="en-US" sz="1600" dirty="0" err="1">
-                <a:latin typeface="Courier"/>
-                <a:cs typeface="Courier"/>
-              </a:rPr>
-              <a:t>data.frame</a:t>
-            </a:r>
-            <a:r>
-              <a:rPr lang="en-US" sz="1600" dirty="0">
-                <a:latin typeface="Courier"/>
-                <a:cs typeface="Courier"/>
-              </a:rPr>
-              <a:t>"               0.79    10.66       1.03     13.90</a:t>
-            </a:r>
-          </a:p>
-          <a:p>
-            <a:pPr marL="0" indent="0">
-              <a:buNone/>
-            </a:pPr>
-            <a:r>
-              <a:rPr lang="en-US" sz="1600" dirty="0">
-                <a:latin typeface="Courier"/>
-                <a:cs typeface="Courier"/>
-              </a:rPr>
-              <a:t>"structure"                  0.73     9.85       0.73      9.85</a:t>
-            </a:r>
-          </a:p>
-          <a:p>
-            <a:pPr marL="0" indent="0">
-              <a:buNone/>
-            </a:pPr>
-            <a:r>
-              <a:rPr lang="en-US" sz="1600" dirty="0">
-                <a:latin typeface="Courier"/>
-                <a:cs typeface="Courier"/>
-              </a:rPr>
-              <a:t>"</a:t>
-            </a:r>
-            <a:r>
-              <a:rPr lang="en-US" sz="1600" dirty="0" err="1">
-                <a:latin typeface="Courier"/>
-                <a:cs typeface="Courier"/>
-              </a:rPr>
-              <a:t>na.omit.data.frame</a:t>
-            </a:r>
-            <a:r>
-              <a:rPr lang="en-US" sz="1600" dirty="0">
-                <a:latin typeface="Courier"/>
-                <a:cs typeface="Courier"/>
-              </a:rPr>
-              <a:t>"         0.49     6.61       1.30     17.54</a:t>
-            </a:r>
-          </a:p>
-          <a:p>
-            <a:pPr marL="0" indent="0">
-              <a:buNone/>
-            </a:pPr>
-            <a:r>
-              <a:rPr lang="en-US" sz="1600" dirty="0">
-                <a:latin typeface="Courier"/>
-                <a:cs typeface="Courier"/>
-              </a:rPr>
-              <a:t>"list"                       0.46     6.21       0.46      6.21</a:t>
-            </a:r>
-          </a:p>
-          <a:p>
-            <a:pPr marL="0" indent="0">
-              <a:buNone/>
-            </a:pPr>
-            <a:r>
-              <a:rPr lang="en-US" sz="1600" dirty="0">
-                <a:latin typeface="Courier"/>
-                <a:cs typeface="Courier"/>
-              </a:rPr>
-              <a:t>"lm"                         0.30     4.05       7.41    100.00</a:t>
-            </a:r>
-          </a:p>
-          <a:p>
-            <a:pPr marL="0" indent="0">
-              <a:buNone/>
-            </a:pPr>
-            <a:r>
-              <a:rPr lang="en-US" sz="1600" dirty="0">
-                <a:latin typeface="Courier"/>
-                <a:cs typeface="Courier"/>
-              </a:rPr>
-              <a:t>"</a:t>
-            </a:r>
-            <a:r>
-              <a:rPr lang="en-US" sz="1600" dirty="0" err="1">
-                <a:latin typeface="Courier"/>
-                <a:cs typeface="Courier"/>
-              </a:rPr>
-              <a:t>model.matrix.default</a:t>
-            </a:r>
-            <a:r>
-              <a:rPr lang="en-US" sz="1600" dirty="0">
-                <a:latin typeface="Courier"/>
-                <a:cs typeface="Courier"/>
-              </a:rPr>
-              <a:t>"       0.27     3.64       0.79     10.66</a:t>
-            </a:r>
-          </a:p>
-          <a:p>
-            <a:pPr marL="0" indent="0">
-              <a:buNone/>
-            </a:pPr>
-            <a:r>
-              <a:rPr lang="en-US" sz="1600" dirty="0">
-                <a:latin typeface="Courier"/>
-                <a:cs typeface="Courier"/>
-              </a:rPr>
-              <a:t>"</a:t>
-            </a:r>
-            <a:r>
-              <a:rPr lang="en-US" sz="1600" dirty="0" err="1">
-                <a:latin typeface="Courier"/>
-                <a:cs typeface="Courier"/>
-              </a:rPr>
-              <a:t>na.omit</a:t>
-            </a:r>
-            <a:r>
-              <a:rPr lang="en-US" sz="1600" dirty="0">
-                <a:latin typeface="Courier"/>
-                <a:cs typeface="Courier"/>
-              </a:rPr>
-              <a:t>"                    0.24     3.24       1.54     20.78</a:t>
-            </a:r>
-          </a:p>
-          <a:p>
-            <a:pPr marL="0" indent="0">
-              <a:buNone/>
-            </a:pPr>
-            <a:r>
-              <a:rPr lang="ro-RO" sz="1600" dirty="0">
-                <a:latin typeface="Courier"/>
-                <a:cs typeface="Courier"/>
-              </a:rPr>
-              <a:t>"as.character"               0.18     2.43       0.18      2.43</a:t>
-            </a:r>
-          </a:p>
-          <a:p>
-            <a:pPr marL="0" indent="0">
-              <a:buNone/>
-            </a:pPr>
-            <a:r>
-              <a:rPr lang="ro-RO" sz="1600" dirty="0">
-                <a:latin typeface="Courier"/>
-                <a:cs typeface="Courier"/>
-              </a:rPr>
-              <a:t>"model.frame.default"        0.12     1.62       2.24     30.23</a:t>
-            </a:r>
-          </a:p>
-          <a:p>
-            <a:pPr marL="0" indent="0">
-              <a:buNone/>
-            </a:pPr>
-            <a:r>
-              <a:rPr lang="ro-RO" sz="1600" dirty="0">
-                <a:latin typeface="Courier"/>
-                <a:cs typeface="Courier"/>
-              </a:rPr>
-              <a:t>"anyDuplicated.default"      0.02     0.27       0.02      0.27</a:t>
-            </a:r>
-            <a:endParaRPr lang="en-US" sz="1600" dirty="0">
-              <a:latin typeface="Courier"/>
-              <a:cs typeface="Courier"/>
-            </a:endParaRPr>
-          </a:p>
-        </p:txBody>
-      </p:sp>
-    </p:spTree>
-    <p:extLst>
-      <p:ext uri="{BB962C8B-B14F-4D97-AF65-F5344CB8AC3E}">
-        <p14:creationId xmlns:p14="http://schemas.microsoft.com/office/powerpoint/2010/main" val="274099939"/>
-      </p:ext>
-    </p:extLst>
-  </p:cSld>
-  <p:clrMapOvr>
-    <a:masterClrMapping/>
-  </p:clrMapOvr>
-</p:sld>
-</file>
-
-<file path=ppt/slides/slide21.xml><?xml version="1.0" encoding="utf-8"?>
-<p:sld xmlns:a="http://schemas.openxmlformats.org/drawingml/2006/main" xmlns:r="http://schemas.openxmlformats.org/officeDocument/2006/relationships" xmlns:p="http://schemas.openxmlformats.org/presentationml/2006/main">
-  <p:cSld>
-    <p:spTree>
-      <p:nvGrpSpPr>
-        <p:cNvPr id="1" name=""/>
-        <p:cNvGrpSpPr/>
-        <p:nvPr/>
-      </p:nvGrpSpPr>
-      <p:grpSpPr>
-        <a:xfrm>
-          <a:off x="0" y="0"/>
-          <a:ext cx="0" cy="0"/>
-          <a:chOff x="0" y="0"/>
-          <a:chExt cx="0" cy="0"/>
-        </a:xfrm>
-      </p:grpSpPr>
-      <p:sp>
-        <p:nvSpPr>
-          <p:cNvPr id="2" name="Title 1"/>
-          <p:cNvSpPr>
-            <a:spLocks noGrp="1"/>
-          </p:cNvSpPr>
-          <p:nvPr>
-            <p:ph type="title"/>
-          </p:nvPr>
-        </p:nvSpPr>
-        <p:spPr/>
-        <p:txBody>
-          <a:bodyPr/>
-          <a:lstStyle/>
-          <a:p>
-            <a:r>
               <a:rPr lang="en-US" dirty="0" err="1" smtClean="0"/>
               <a:t>summaryRprof</a:t>
             </a:r>
@@ -6798,7 +6708,7 @@
 </p:sld>
 </file>
 
-<file path=ppt/slides/slide22.xml><?xml version="1.0" encoding="utf-8"?>
+<file path=ppt/slides/slide21.xml><?xml version="1.0" encoding="utf-8"?>
 <p:sld xmlns:a="http://schemas.openxmlformats.org/drawingml/2006/main" xmlns:r="http://schemas.openxmlformats.org/officeDocument/2006/relationships" xmlns:p="http://schemas.openxmlformats.org/presentationml/2006/main">
   <p:cSld>
     <p:spTree>
@@ -7117,7 +7027,15 @@
           <a:p>
             <a:r>
               <a:rPr lang="en-US" dirty="0" smtClean="0"/>
-              <a:t>Measure (collect data), don’t guess. We’re statisticians after all!</a:t>
+              <a:t>Measure (collect data), don’t guess. We’re </a:t>
+            </a:r>
+            <a:r>
+              <a:rPr lang="en-US" dirty="0" smtClean="0"/>
+              <a:t>scientists after </a:t>
+            </a:r>
+            <a:r>
+              <a:rPr lang="en-US" dirty="0" smtClean="0"/>
+              <a:t>all!</a:t>
             </a:r>
           </a:p>
           <a:p>
